--- a/presentation.pptx
+++ b/presentation.pptx
@@ -5,26 +5,28 @@
     <p:sldMasterId id="2147483712" r:id="rId1"/>
   </p:sldMasterIdLst>
   <p:notesMasterIdLst>
-    <p:notesMasterId r:id="rId19"/>
+    <p:notesMasterId r:id="rId21"/>
   </p:notesMasterIdLst>
   <p:sldIdLst>
     <p:sldId id="256" r:id="rId2"/>
-    <p:sldId id="257" r:id="rId3"/>
-    <p:sldId id="258" r:id="rId4"/>
-    <p:sldId id="260" r:id="rId5"/>
-    <p:sldId id="267" r:id="rId6"/>
-    <p:sldId id="268" r:id="rId7"/>
-    <p:sldId id="259" r:id="rId8"/>
-    <p:sldId id="271" r:id="rId9"/>
-    <p:sldId id="272" r:id="rId10"/>
-    <p:sldId id="261" r:id="rId11"/>
-    <p:sldId id="262" r:id="rId12"/>
-    <p:sldId id="263" r:id="rId13"/>
-    <p:sldId id="264" r:id="rId14"/>
-    <p:sldId id="265" r:id="rId15"/>
-    <p:sldId id="266" r:id="rId16"/>
-    <p:sldId id="269" r:id="rId17"/>
-    <p:sldId id="270" r:id="rId18"/>
+    <p:sldId id="274" r:id="rId3"/>
+    <p:sldId id="257" r:id="rId4"/>
+    <p:sldId id="258" r:id="rId5"/>
+    <p:sldId id="260" r:id="rId6"/>
+    <p:sldId id="267" r:id="rId7"/>
+    <p:sldId id="268" r:id="rId8"/>
+    <p:sldId id="259" r:id="rId9"/>
+    <p:sldId id="271" r:id="rId10"/>
+    <p:sldId id="272" r:id="rId11"/>
+    <p:sldId id="261" r:id="rId12"/>
+    <p:sldId id="262" r:id="rId13"/>
+    <p:sldId id="263" r:id="rId14"/>
+    <p:sldId id="264" r:id="rId15"/>
+    <p:sldId id="265" r:id="rId16"/>
+    <p:sldId id="266" r:id="rId17"/>
+    <p:sldId id="269" r:id="rId18"/>
+    <p:sldId id="270" r:id="rId19"/>
+    <p:sldId id="273" r:id="rId20"/>
   </p:sldIdLst>
   <p:sldSz cx="12192000" cy="6858000"/>
   <p:notesSz cx="6858000" cy="9144000"/>
@@ -521,41 +523,31 @@
           <a:p>
             <a:r>
               <a:rPr lang="en-US" dirty="0"/>
-              <a:t>Manually extracting and saving data at every stage is a recipe for disaster</a:t>
-            </a:r>
-          </a:p>
-          <a:p>
-            <a:r>
-              <a:rPr lang="en-US" dirty="0"/>
-              <a:t>If we need to save interim data, far better for the script to automatically generate an appropriate filename</a:t>
-            </a:r>
-          </a:p>
-          <a:p>
-            <a:r>
-              <a:rPr lang="en-US" dirty="0"/>
-              <a:t>Better still, better to have an automated version control system (no time for that today, sadly)</a:t>
-            </a:r>
-          </a:p>
-          <a:p>
-            <a:r>
-              <a:rPr lang="en-US" dirty="0"/>
-              <a:t>Having a folder full of separate scripts that need to be run in separate programs, one at a time, to get to an outcome is an absolute pain</a:t>
-            </a:r>
-          </a:p>
-          <a:p>
-            <a:r>
-              <a:rPr lang="en-US" dirty="0"/>
-              <a:t>This all –massively- increases the chances of making mistakes</a:t>
-            </a:r>
-          </a:p>
-          <a:p>
-            <a:r>
-              <a:rPr lang="en-US" dirty="0"/>
-              <a:t>Worst of all, it may create a </a:t>
-            </a:r>
-            <a:r>
-              <a:rPr lang="en-US"/>
-              <a:t>non-reproducible workflow.</a:t>
+              <a:t>There’s no point pretending to be a master of every language</a:t>
+            </a:r>
+          </a:p>
+          <a:p>
+            <a:r>
+              <a:rPr lang="en-US" dirty="0"/>
+              <a:t>There’s no point pretending that, just because you have a preferred language, it is better than any other language at everything</a:t>
+            </a:r>
+          </a:p>
+          <a:p>
+            <a:r>
+              <a:rPr lang="en-US" dirty="0"/>
+              <a:t>Great to understand the basics of a few core languages</a:t>
+            </a:r>
+          </a:p>
+          <a:p>
+            <a:r>
+              <a:rPr lang="en-US" dirty="0"/>
+              <a:t>Unless you’re writing an extremely complex, production ready program the benefit of being comfortable with the language far outweighs the efficiency of the language itself</a:t>
+            </a:r>
+          </a:p>
+          <a:p>
+            <a:r>
+              <a:rPr lang="en-US" dirty="0"/>
+              <a:t>That said, for some applications (such as spatial data), certain tools are LEAGUES ahead in terms of efficiency</a:t>
             </a:r>
           </a:p>
         </p:txBody>
@@ -577,7 +569,449 @@
           <a:p>
             <a:fld id="{2B9DEA3C-E553-B84A-84ED-A7DE9A6CD79E}" type="slidenum">
               <a:rPr lang="en-US" smtClean="0"/>
-              <a:t>9</a:t>
+              <a:t>3</a:t>
+            </a:fld>
+            <a:endParaRPr lang="en-US"/>
+          </a:p>
+        </p:txBody>
+      </p:sp>
+    </p:spTree>
+    <p:extLst>
+      <p:ext uri="{BB962C8B-B14F-4D97-AF65-F5344CB8AC3E}">
+        <p14:creationId xmlns:p14="http://schemas.microsoft.com/office/powerpoint/2010/main" val="201541473"/>
+      </p:ext>
+    </p:extLst>
+  </p:cSld>
+  <p:clrMapOvr>
+    <a:masterClrMapping/>
+  </p:clrMapOvr>
+</p:notes>
+</file>
+
+<file path=ppt/notesSlides/notesSlide2.xml><?xml version="1.0" encoding="utf-8"?>
+<p:notes xmlns:a="http://schemas.openxmlformats.org/drawingml/2006/main" xmlns:r="http://schemas.openxmlformats.org/officeDocument/2006/relationships" xmlns:p="http://schemas.openxmlformats.org/presentationml/2006/main">
+  <p:cSld>
+    <p:spTree>
+      <p:nvGrpSpPr>
+        <p:cNvPr id="1" name=""/>
+        <p:cNvGrpSpPr/>
+        <p:nvPr/>
+      </p:nvGrpSpPr>
+      <p:grpSpPr>
+        <a:xfrm>
+          <a:off x="0" y="0"/>
+          <a:ext cx="0" cy="0"/>
+          <a:chOff x="0" y="0"/>
+          <a:chExt cx="0" cy="0"/>
+        </a:xfrm>
+      </p:grpSpPr>
+      <p:sp>
+        <p:nvSpPr>
+          <p:cNvPr id="2" name="Slide Image Placeholder 1"/>
+          <p:cNvSpPr>
+            <a:spLocks noGrp="1" noRot="1" noChangeAspect="1"/>
+          </p:cNvSpPr>
+          <p:nvPr>
+            <p:ph type="sldImg"/>
+          </p:nvPr>
+        </p:nvSpPr>
+        <p:spPr/>
+      </p:sp>
+      <p:sp>
+        <p:nvSpPr>
+          <p:cNvPr id="3" name="Notes Placeholder 2"/>
+          <p:cNvSpPr>
+            <a:spLocks noGrp="1"/>
+          </p:cNvSpPr>
+          <p:nvPr>
+            <p:ph type="body" idx="1"/>
+          </p:nvPr>
+        </p:nvSpPr>
+        <p:spPr/>
+        <p:txBody>
+          <a:bodyPr/>
+          <a:lstStyle/>
+          <a:p>
+            <a:r>
+              <a:rPr lang="en-US" dirty="0"/>
+              <a:t>I would describe myself as being fluent in R, and a keen amateur in Python.</a:t>
+            </a:r>
+          </a:p>
+          <a:p>
+            <a:r>
+              <a:rPr lang="en-US" dirty="0"/>
+              <a:t>Honest truth is that I chose I because I took a class in my MSc year and found I liked it; had to use it heavily for my PhD, and now I know it well</a:t>
+            </a:r>
+          </a:p>
+          <a:p>
+            <a:r>
+              <a:rPr lang="en-US" dirty="0"/>
+              <a:t>I could just as well have used Python for the same.</a:t>
+            </a:r>
+          </a:p>
+          <a:p>
+            <a:r>
+              <a:rPr lang="en-US" dirty="0"/>
+              <a:t>The important thing is quality and reproducibility of the code, followed by awareness of tools and techniques that may make a *significant* difference to your workflow</a:t>
+            </a:r>
+          </a:p>
+        </p:txBody>
+      </p:sp>
+      <p:sp>
+        <p:nvSpPr>
+          <p:cNvPr id="4" name="Slide Number Placeholder 3"/>
+          <p:cNvSpPr>
+            <a:spLocks noGrp="1"/>
+          </p:cNvSpPr>
+          <p:nvPr>
+            <p:ph type="sldNum" sz="quarter" idx="10"/>
+          </p:nvPr>
+        </p:nvSpPr>
+        <p:spPr/>
+        <p:txBody>
+          <a:bodyPr/>
+          <a:lstStyle/>
+          <a:p>
+            <a:fld id="{2B9DEA3C-E553-B84A-84ED-A7DE9A6CD79E}" type="slidenum">
+              <a:rPr lang="en-US" smtClean="0"/>
+              <a:t>4</a:t>
+            </a:fld>
+            <a:endParaRPr lang="en-US"/>
+          </a:p>
+        </p:txBody>
+      </p:sp>
+    </p:spTree>
+    <p:extLst>
+      <p:ext uri="{BB962C8B-B14F-4D97-AF65-F5344CB8AC3E}">
+        <p14:creationId xmlns:p14="http://schemas.microsoft.com/office/powerpoint/2010/main" val="3909966761"/>
+      </p:ext>
+    </p:extLst>
+  </p:cSld>
+  <p:clrMapOvr>
+    <a:masterClrMapping/>
+  </p:clrMapOvr>
+</p:notes>
+</file>
+
+<file path=ppt/notesSlides/notesSlide3.xml><?xml version="1.0" encoding="utf-8"?>
+<p:notes xmlns:a="http://schemas.openxmlformats.org/drawingml/2006/main" xmlns:r="http://schemas.openxmlformats.org/officeDocument/2006/relationships" xmlns:p="http://schemas.openxmlformats.org/presentationml/2006/main">
+  <p:cSld>
+    <p:spTree>
+      <p:nvGrpSpPr>
+        <p:cNvPr id="1" name=""/>
+        <p:cNvGrpSpPr/>
+        <p:nvPr/>
+      </p:nvGrpSpPr>
+      <p:grpSpPr>
+        <a:xfrm>
+          <a:off x="0" y="0"/>
+          <a:ext cx="0" cy="0"/>
+          <a:chOff x="0" y="0"/>
+          <a:chExt cx="0" cy="0"/>
+        </a:xfrm>
+      </p:grpSpPr>
+      <p:sp>
+        <p:nvSpPr>
+          <p:cNvPr id="2" name="Slide Image Placeholder 1"/>
+          <p:cNvSpPr>
+            <a:spLocks noGrp="1" noRot="1" noChangeAspect="1"/>
+          </p:cNvSpPr>
+          <p:nvPr>
+            <p:ph type="sldImg"/>
+          </p:nvPr>
+        </p:nvSpPr>
+        <p:spPr/>
+      </p:sp>
+      <p:sp>
+        <p:nvSpPr>
+          <p:cNvPr id="3" name="Notes Placeholder 2"/>
+          <p:cNvSpPr>
+            <a:spLocks noGrp="1"/>
+          </p:cNvSpPr>
+          <p:nvPr>
+            <p:ph type="body" idx="1"/>
+          </p:nvPr>
+        </p:nvSpPr>
+        <p:spPr/>
+        <p:txBody>
+          <a:bodyPr/>
+          <a:lstStyle/>
+          <a:p>
+            <a:pPr marL="0" marR="0" lvl="0" indent="0" algn="l" defTabSz="914400" rtl="0" eaLnBrk="1" fontAlgn="auto" latinLnBrk="0" hangingPunct="1">
+              <a:lnSpc>
+                <a:spcPct val="100000"/>
+              </a:lnSpc>
+              <a:spcBef>
+                <a:spcPts val="0"/>
+              </a:spcBef>
+              <a:spcAft>
+                <a:spcPts val="0"/>
+              </a:spcAft>
+              <a:buClrTx/>
+              <a:buSzTx/>
+              <a:buFontTx/>
+              <a:buNone/>
+              <a:tabLst/>
+              <a:defRPr/>
+            </a:pPr>
+            <a:r>
+              <a:rPr lang="en-US" dirty="0"/>
+              <a:t>Quick survey: how many meteorologists are still using IDL because the UM is easier that way?</a:t>
+            </a:r>
+          </a:p>
+          <a:p>
+            <a:endParaRPr lang="en-US" dirty="0"/>
+          </a:p>
+          <a:p>
+            <a:r>
+              <a:rPr lang="en-US" dirty="0"/>
+              <a:t>Until recently, I would switch to Python any time I wanted to use any of </a:t>
+            </a:r>
+            <a:r>
+              <a:rPr lang="en-US" dirty="0" err="1"/>
+              <a:t>scikitlearn’s</a:t>
+            </a:r>
+            <a:r>
+              <a:rPr lang="en-US" dirty="0"/>
+              <a:t> tools. Now equivalents are available for R, but I can also call those packages from within an R environment. Either way, some basic understanding of Python is a sensible move.</a:t>
+            </a:r>
+          </a:p>
+          <a:p>
+            <a:endParaRPr lang="en-US" dirty="0"/>
+          </a:p>
+          <a:p>
+            <a:r>
+              <a:rPr lang="en-US" dirty="0"/>
+              <a:t>I work with very large spatial datasets (order 10^9 pixels). This takes some serious discipline in coding / memory management in R or Python, or a more appropriate tool for the job. </a:t>
+            </a:r>
+          </a:p>
+          <a:p>
+            <a:endParaRPr lang="en-US" dirty="0"/>
+          </a:p>
+          <a:p>
+            <a:endParaRPr lang="en-US" dirty="0"/>
+          </a:p>
+        </p:txBody>
+      </p:sp>
+      <p:sp>
+        <p:nvSpPr>
+          <p:cNvPr id="4" name="Slide Number Placeholder 3"/>
+          <p:cNvSpPr>
+            <a:spLocks noGrp="1"/>
+          </p:cNvSpPr>
+          <p:nvPr>
+            <p:ph type="sldNum" sz="quarter" idx="10"/>
+          </p:nvPr>
+        </p:nvSpPr>
+        <p:spPr/>
+        <p:txBody>
+          <a:bodyPr/>
+          <a:lstStyle/>
+          <a:p>
+            <a:fld id="{2B9DEA3C-E553-B84A-84ED-A7DE9A6CD79E}" type="slidenum">
+              <a:rPr lang="en-US" smtClean="0"/>
+              <a:t>5</a:t>
+            </a:fld>
+            <a:endParaRPr lang="en-US"/>
+          </a:p>
+        </p:txBody>
+      </p:sp>
+    </p:spTree>
+    <p:extLst>
+      <p:ext uri="{BB962C8B-B14F-4D97-AF65-F5344CB8AC3E}">
+        <p14:creationId xmlns:p14="http://schemas.microsoft.com/office/powerpoint/2010/main" val="1109764539"/>
+      </p:ext>
+    </p:extLst>
+  </p:cSld>
+  <p:clrMapOvr>
+    <a:masterClrMapping/>
+  </p:clrMapOvr>
+</p:notes>
+</file>
+
+<file path=ppt/notesSlides/notesSlide4.xml><?xml version="1.0" encoding="utf-8"?>
+<p:notes xmlns:a="http://schemas.openxmlformats.org/drawingml/2006/main" xmlns:r="http://schemas.openxmlformats.org/officeDocument/2006/relationships" xmlns:p="http://schemas.openxmlformats.org/presentationml/2006/main">
+  <p:cSld>
+    <p:spTree>
+      <p:nvGrpSpPr>
+        <p:cNvPr id="1" name=""/>
+        <p:cNvGrpSpPr/>
+        <p:nvPr/>
+      </p:nvGrpSpPr>
+      <p:grpSpPr>
+        <a:xfrm>
+          <a:off x="0" y="0"/>
+          <a:ext cx="0" cy="0"/>
+          <a:chOff x="0" y="0"/>
+          <a:chExt cx="0" cy="0"/>
+        </a:xfrm>
+      </p:grpSpPr>
+      <p:sp>
+        <p:nvSpPr>
+          <p:cNvPr id="2" name="Slide Image Placeholder 1"/>
+          <p:cNvSpPr>
+            <a:spLocks noGrp="1" noRot="1" noChangeAspect="1"/>
+          </p:cNvSpPr>
+          <p:nvPr>
+            <p:ph type="sldImg"/>
+          </p:nvPr>
+        </p:nvSpPr>
+        <p:spPr/>
+      </p:sp>
+      <p:sp>
+        <p:nvSpPr>
+          <p:cNvPr id="3" name="Notes Placeholder 2"/>
+          <p:cNvSpPr>
+            <a:spLocks noGrp="1"/>
+          </p:cNvSpPr>
+          <p:nvPr>
+            <p:ph type="body" idx="1"/>
+          </p:nvPr>
+        </p:nvSpPr>
+        <p:spPr/>
+        <p:txBody>
+          <a:bodyPr/>
+          <a:lstStyle/>
+          <a:p>
+            <a:endParaRPr lang="en-US" dirty="0"/>
+          </a:p>
+        </p:txBody>
+      </p:sp>
+      <p:sp>
+        <p:nvSpPr>
+          <p:cNvPr id="4" name="Slide Number Placeholder 3"/>
+          <p:cNvSpPr>
+            <a:spLocks noGrp="1"/>
+          </p:cNvSpPr>
+          <p:nvPr>
+            <p:ph type="sldNum" sz="quarter" idx="10"/>
+          </p:nvPr>
+        </p:nvSpPr>
+        <p:spPr/>
+        <p:txBody>
+          <a:bodyPr/>
+          <a:lstStyle/>
+          <a:p>
+            <a:fld id="{2B9DEA3C-E553-B84A-84ED-A7DE9A6CD79E}" type="slidenum">
+              <a:rPr lang="en-US" smtClean="0"/>
+              <a:t>8</a:t>
+            </a:fld>
+            <a:endParaRPr lang="en-US"/>
+          </a:p>
+        </p:txBody>
+      </p:sp>
+    </p:spTree>
+    <p:extLst>
+      <p:ext uri="{BB962C8B-B14F-4D97-AF65-F5344CB8AC3E}">
+        <p14:creationId xmlns:p14="http://schemas.microsoft.com/office/powerpoint/2010/main" val="1434178974"/>
+      </p:ext>
+    </p:extLst>
+  </p:cSld>
+  <p:clrMapOvr>
+    <a:masterClrMapping/>
+  </p:clrMapOvr>
+</p:notes>
+</file>
+
+<file path=ppt/notesSlides/notesSlide5.xml><?xml version="1.0" encoding="utf-8"?>
+<p:notes xmlns:a="http://schemas.openxmlformats.org/drawingml/2006/main" xmlns:r="http://schemas.openxmlformats.org/officeDocument/2006/relationships" xmlns:p="http://schemas.openxmlformats.org/presentationml/2006/main">
+  <p:cSld>
+    <p:spTree>
+      <p:nvGrpSpPr>
+        <p:cNvPr id="1" name=""/>
+        <p:cNvGrpSpPr/>
+        <p:nvPr/>
+      </p:nvGrpSpPr>
+      <p:grpSpPr>
+        <a:xfrm>
+          <a:off x="0" y="0"/>
+          <a:ext cx="0" cy="0"/>
+          <a:chOff x="0" y="0"/>
+          <a:chExt cx="0" cy="0"/>
+        </a:xfrm>
+      </p:grpSpPr>
+      <p:sp>
+        <p:nvSpPr>
+          <p:cNvPr id="2" name="Slide Image Placeholder 1"/>
+          <p:cNvSpPr>
+            <a:spLocks noGrp="1" noRot="1" noChangeAspect="1"/>
+          </p:cNvSpPr>
+          <p:nvPr>
+            <p:ph type="sldImg"/>
+          </p:nvPr>
+        </p:nvSpPr>
+        <p:spPr/>
+      </p:sp>
+      <p:sp>
+        <p:nvSpPr>
+          <p:cNvPr id="3" name="Notes Placeholder 2"/>
+          <p:cNvSpPr>
+            <a:spLocks noGrp="1"/>
+          </p:cNvSpPr>
+          <p:nvPr>
+            <p:ph type="body" idx="1"/>
+          </p:nvPr>
+        </p:nvSpPr>
+        <p:spPr/>
+        <p:txBody>
+          <a:bodyPr/>
+          <a:lstStyle/>
+          <a:p>
+            <a:r>
+              <a:rPr lang="en-US" dirty="0"/>
+              <a:t>Manually extracting and saving data at every stage is a recipe for disaster</a:t>
+            </a:r>
+          </a:p>
+          <a:p>
+            <a:r>
+              <a:rPr lang="en-US" dirty="0"/>
+              <a:t>If we need to save interim data, far better for the script to automatically generate an appropriate filename</a:t>
+            </a:r>
+          </a:p>
+          <a:p>
+            <a:r>
+              <a:rPr lang="en-US" dirty="0"/>
+              <a:t>Better still, better to have an automated version control system (no time for that today, sadly)</a:t>
+            </a:r>
+          </a:p>
+          <a:p>
+            <a:r>
+              <a:rPr lang="en-US" dirty="0"/>
+              <a:t>Having a folder full of separate scripts that need to be run in separate programs, one at a time, to get to an outcome is an absolute pain</a:t>
+            </a:r>
+          </a:p>
+          <a:p>
+            <a:r>
+              <a:rPr lang="en-US" dirty="0"/>
+              <a:t>This all –massively- increases the chances of making mistakes</a:t>
+            </a:r>
+          </a:p>
+          <a:p>
+            <a:r>
+              <a:rPr lang="en-US" dirty="0"/>
+              <a:t>Worst of all, it may create a non-reproducible workflow.</a:t>
+            </a:r>
+          </a:p>
+        </p:txBody>
+      </p:sp>
+      <p:sp>
+        <p:nvSpPr>
+          <p:cNvPr id="4" name="Slide Number Placeholder 3"/>
+          <p:cNvSpPr>
+            <a:spLocks noGrp="1"/>
+          </p:cNvSpPr>
+          <p:nvPr>
+            <p:ph type="sldNum" sz="quarter" idx="10"/>
+          </p:nvPr>
+        </p:nvSpPr>
+        <p:spPr/>
+        <p:txBody>
+          <a:bodyPr/>
+          <a:lstStyle/>
+          <a:p>
+            <a:fld id="{2B9DEA3C-E553-B84A-84ED-A7DE9A6CD79E}" type="slidenum">
+              <a:rPr lang="en-US" smtClean="0"/>
+              <a:t>10</a:t>
             </a:fld>
             <a:endParaRPr lang="en-US"/>
           </a:p>
@@ -587,6 +1021,375 @@
     <p:extLst>
       <p:ext uri="{BB962C8B-B14F-4D97-AF65-F5344CB8AC3E}">
         <p14:creationId xmlns:p14="http://schemas.microsoft.com/office/powerpoint/2010/main" val="1618425408"/>
+      </p:ext>
+    </p:extLst>
+  </p:cSld>
+  <p:clrMapOvr>
+    <a:masterClrMapping/>
+  </p:clrMapOvr>
+</p:notes>
+</file>
+
+<file path=ppt/notesSlides/notesSlide6.xml><?xml version="1.0" encoding="utf-8"?>
+<p:notes xmlns:a="http://schemas.openxmlformats.org/drawingml/2006/main" xmlns:r="http://schemas.openxmlformats.org/officeDocument/2006/relationships" xmlns:p="http://schemas.openxmlformats.org/presentationml/2006/main">
+  <p:cSld>
+    <p:spTree>
+      <p:nvGrpSpPr>
+        <p:cNvPr id="1" name=""/>
+        <p:cNvGrpSpPr/>
+        <p:nvPr/>
+      </p:nvGrpSpPr>
+      <p:grpSpPr>
+        <a:xfrm>
+          <a:off x="0" y="0"/>
+          <a:ext cx="0" cy="0"/>
+          <a:chOff x="0" y="0"/>
+          <a:chExt cx="0" cy="0"/>
+        </a:xfrm>
+      </p:grpSpPr>
+      <p:sp>
+        <p:nvSpPr>
+          <p:cNvPr id="2" name="Slide Image Placeholder 1"/>
+          <p:cNvSpPr>
+            <a:spLocks noGrp="1" noRot="1" noChangeAspect="1"/>
+          </p:cNvSpPr>
+          <p:nvPr>
+            <p:ph type="sldImg"/>
+          </p:nvPr>
+        </p:nvSpPr>
+        <p:spPr/>
+      </p:sp>
+      <p:sp>
+        <p:nvSpPr>
+          <p:cNvPr id="3" name="Notes Placeholder 2"/>
+          <p:cNvSpPr>
+            <a:spLocks noGrp="1"/>
+          </p:cNvSpPr>
+          <p:nvPr>
+            <p:ph type="body" idx="1"/>
+          </p:nvPr>
+        </p:nvSpPr>
+        <p:spPr/>
+        <p:txBody>
+          <a:bodyPr/>
+          <a:lstStyle/>
+          <a:p>
+            <a:r>
+              <a:rPr lang="en-US" dirty="0"/>
+              <a:t>Going to assume some basic knowledge of spatial data formats, but briefly:</a:t>
+            </a:r>
+          </a:p>
+          <a:p>
+            <a:pPr marL="171450" indent="-171450">
+              <a:buFont typeface="Arial" panose="020B0604020202020204" pitchFamily="34" charset="0"/>
+              <a:buChar char="•"/>
+            </a:pPr>
+            <a:r>
+              <a:rPr lang="en-US" dirty="0"/>
+              <a:t>”Raster” / “Image”: gridded dataset containing regularly spaced pixels, each containing a value. Can represent an optical image, a digital elevation map, output from a climate model </a:t>
+            </a:r>
+            <a:r>
+              <a:rPr lang="en-US" dirty="0" err="1"/>
+              <a:t>etc</a:t>
+            </a:r>
+            <a:endParaRPr lang="en-US" dirty="0"/>
+          </a:p>
+          <a:p>
+            <a:pPr marL="171450" indent="-171450">
+              <a:buFont typeface="Arial" panose="020B0604020202020204" pitchFamily="34" charset="0"/>
+              <a:buChar char="•"/>
+            </a:pPr>
+            <a:r>
+              <a:rPr lang="en-US" dirty="0"/>
+              <a:t>“Vector” / “Feature”: collection of coordinate pairs (nodes) forming a dataset of points, lines or polygons</a:t>
+            </a:r>
+          </a:p>
+          <a:p>
+            <a:endParaRPr lang="en-US" dirty="0"/>
+          </a:p>
+          <a:p>
+            <a:r>
+              <a:rPr lang="en-US" dirty="0"/>
+              <a:t>Massive archive of spatial data including satellite observations, modelled output, geopolitical data </a:t>
+            </a:r>
+            <a:r>
+              <a:rPr lang="en-US" dirty="0" err="1"/>
+              <a:t>etc</a:t>
+            </a:r>
+            <a:endParaRPr lang="en-US" dirty="0"/>
+          </a:p>
+          <a:p>
+            <a:endParaRPr lang="en-US" dirty="0"/>
+          </a:p>
+        </p:txBody>
+      </p:sp>
+      <p:sp>
+        <p:nvSpPr>
+          <p:cNvPr id="4" name="Slide Number Placeholder 3"/>
+          <p:cNvSpPr>
+            <a:spLocks noGrp="1"/>
+          </p:cNvSpPr>
+          <p:nvPr>
+            <p:ph type="sldNum" sz="quarter" idx="10"/>
+          </p:nvPr>
+        </p:nvSpPr>
+        <p:spPr/>
+        <p:txBody>
+          <a:bodyPr/>
+          <a:lstStyle/>
+          <a:p>
+            <a:fld id="{2B9DEA3C-E553-B84A-84ED-A7DE9A6CD79E}" type="slidenum">
+              <a:rPr lang="en-US" smtClean="0"/>
+              <a:t>11</a:t>
+            </a:fld>
+            <a:endParaRPr lang="en-US"/>
+          </a:p>
+        </p:txBody>
+      </p:sp>
+    </p:spTree>
+    <p:extLst>
+      <p:ext uri="{BB962C8B-B14F-4D97-AF65-F5344CB8AC3E}">
+        <p14:creationId xmlns:p14="http://schemas.microsoft.com/office/powerpoint/2010/main" val="3583373095"/>
+      </p:ext>
+    </p:extLst>
+  </p:cSld>
+  <p:clrMapOvr>
+    <a:masterClrMapping/>
+  </p:clrMapOvr>
+</p:notes>
+</file>
+
+<file path=ppt/notesSlides/notesSlide7.xml><?xml version="1.0" encoding="utf-8"?>
+<p:notes xmlns:a="http://schemas.openxmlformats.org/drawingml/2006/main" xmlns:r="http://schemas.openxmlformats.org/officeDocument/2006/relationships" xmlns:p="http://schemas.openxmlformats.org/presentationml/2006/main">
+  <p:cSld>
+    <p:spTree>
+      <p:nvGrpSpPr>
+        <p:cNvPr id="1" name=""/>
+        <p:cNvGrpSpPr/>
+        <p:nvPr/>
+      </p:nvGrpSpPr>
+      <p:grpSpPr>
+        <a:xfrm>
+          <a:off x="0" y="0"/>
+          <a:ext cx="0" cy="0"/>
+          <a:chOff x="0" y="0"/>
+          <a:chExt cx="0" cy="0"/>
+        </a:xfrm>
+      </p:grpSpPr>
+      <p:sp>
+        <p:nvSpPr>
+          <p:cNvPr id="2" name="Slide Image Placeholder 1"/>
+          <p:cNvSpPr>
+            <a:spLocks noGrp="1" noRot="1" noChangeAspect="1"/>
+          </p:cNvSpPr>
+          <p:nvPr>
+            <p:ph type="sldImg"/>
+          </p:nvPr>
+        </p:nvSpPr>
+        <p:spPr/>
+      </p:sp>
+      <p:sp>
+        <p:nvSpPr>
+          <p:cNvPr id="3" name="Notes Placeholder 2"/>
+          <p:cNvSpPr>
+            <a:spLocks noGrp="1"/>
+          </p:cNvSpPr>
+          <p:nvPr>
+            <p:ph type="body" idx="1"/>
+          </p:nvPr>
+        </p:nvSpPr>
+        <p:spPr/>
+        <p:txBody>
+          <a:bodyPr/>
+          <a:lstStyle/>
+          <a:p>
+            <a:r>
+              <a:rPr lang="en-US" dirty="0"/>
+              <a:t>You could spend a lot of time becoming an Earth Engine expert. </a:t>
+            </a:r>
+          </a:p>
+          <a:p>
+            <a:endParaRPr lang="en-US" dirty="0"/>
+          </a:p>
+          <a:p>
+            <a:r>
+              <a:rPr lang="en-US" dirty="0"/>
+              <a:t>For some applications, that’s a great idea, but for many applications you’ll find it easier to use it to crunch numbers before analyzing in your preferred language</a:t>
+            </a:r>
+          </a:p>
+        </p:txBody>
+      </p:sp>
+      <p:sp>
+        <p:nvSpPr>
+          <p:cNvPr id="4" name="Slide Number Placeholder 3"/>
+          <p:cNvSpPr>
+            <a:spLocks noGrp="1"/>
+          </p:cNvSpPr>
+          <p:nvPr>
+            <p:ph type="sldNum" sz="quarter" idx="10"/>
+          </p:nvPr>
+        </p:nvSpPr>
+        <p:spPr/>
+        <p:txBody>
+          <a:bodyPr/>
+          <a:lstStyle/>
+          <a:p>
+            <a:fld id="{2B9DEA3C-E553-B84A-84ED-A7DE9A6CD79E}" type="slidenum">
+              <a:rPr lang="en-US" smtClean="0"/>
+              <a:t>14</a:t>
+            </a:fld>
+            <a:endParaRPr lang="en-US"/>
+          </a:p>
+        </p:txBody>
+      </p:sp>
+    </p:spTree>
+    <p:extLst>
+      <p:ext uri="{BB962C8B-B14F-4D97-AF65-F5344CB8AC3E}">
+        <p14:creationId xmlns:p14="http://schemas.microsoft.com/office/powerpoint/2010/main" val="3812157809"/>
+      </p:ext>
+    </p:extLst>
+  </p:cSld>
+  <p:clrMapOvr>
+    <a:masterClrMapping/>
+  </p:clrMapOvr>
+</p:notes>
+</file>
+
+<file path=ppt/notesSlides/notesSlide8.xml><?xml version="1.0" encoding="utf-8"?>
+<p:notes xmlns:a="http://schemas.openxmlformats.org/drawingml/2006/main" xmlns:r="http://schemas.openxmlformats.org/officeDocument/2006/relationships" xmlns:p="http://schemas.openxmlformats.org/presentationml/2006/main">
+  <p:cSld>
+    <p:spTree>
+      <p:nvGrpSpPr>
+        <p:cNvPr id="1" name=""/>
+        <p:cNvGrpSpPr/>
+        <p:nvPr/>
+      </p:nvGrpSpPr>
+      <p:grpSpPr>
+        <a:xfrm>
+          <a:off x="0" y="0"/>
+          <a:ext cx="0" cy="0"/>
+          <a:chOff x="0" y="0"/>
+          <a:chExt cx="0" cy="0"/>
+        </a:xfrm>
+      </p:grpSpPr>
+      <p:sp>
+        <p:nvSpPr>
+          <p:cNvPr id="2" name="Slide Image Placeholder 1"/>
+          <p:cNvSpPr>
+            <a:spLocks noGrp="1" noRot="1" noChangeAspect="1"/>
+          </p:cNvSpPr>
+          <p:nvPr>
+            <p:ph type="sldImg"/>
+          </p:nvPr>
+        </p:nvSpPr>
+        <p:spPr/>
+      </p:sp>
+      <p:sp>
+        <p:nvSpPr>
+          <p:cNvPr id="3" name="Notes Placeholder 2"/>
+          <p:cNvSpPr>
+            <a:spLocks noGrp="1"/>
+          </p:cNvSpPr>
+          <p:nvPr>
+            <p:ph type="body" idx="1"/>
+          </p:nvPr>
+        </p:nvSpPr>
+        <p:spPr/>
+        <p:txBody>
+          <a:bodyPr/>
+          <a:lstStyle/>
+          <a:p>
+            <a:r>
+              <a:rPr lang="en-US" dirty="0"/>
+              <a:t>Note: Clearly, this is one operation that can be done natively from Python, but:</a:t>
+            </a:r>
+          </a:p>
+          <a:p>
+            <a:pPr marL="228600" indent="-228600">
+              <a:buAutoNum type="alphaLcParenR"/>
+            </a:pPr>
+            <a:r>
+              <a:rPr lang="en-US" dirty="0"/>
+              <a:t>Where’s the fun in that?</a:t>
+            </a:r>
+          </a:p>
+          <a:p>
+            <a:pPr marL="228600" indent="-228600">
+              <a:buAutoNum type="alphaLcParenR"/>
+            </a:pPr>
+            <a:r>
+              <a:rPr lang="en-US" dirty="0"/>
+              <a:t>This is a simple example of where a multilingual workflow might be useful</a:t>
+            </a:r>
+          </a:p>
+          <a:p>
+            <a:pPr marL="228600" indent="-228600">
+              <a:buAutoNum type="alphaLcParenR"/>
+            </a:pPr>
+            <a:endParaRPr lang="en-US" dirty="0"/>
+          </a:p>
+          <a:p>
+            <a:pPr marL="228600" indent="-228600">
+              <a:buAutoNum type="alphaLcParenR"/>
+            </a:pPr>
+            <a:r>
+              <a:rPr lang="en-US" dirty="0"/>
+              <a:t>If Python is already your native language, you can still apply similar skills. R may be a good choice for some packages, in which case you can drive it from within </a:t>
+            </a:r>
+            <a:r>
+              <a:rPr lang="en-US" dirty="0" err="1"/>
+              <a:t>Jupyter</a:t>
+            </a:r>
+            <a:r>
+              <a:rPr lang="en-US" dirty="0"/>
+              <a:t> Notebooks (</a:t>
+            </a:r>
+            <a:r>
+              <a:rPr lang="en-US" dirty="0" err="1"/>
+              <a:t>n.b.</a:t>
+            </a:r>
+            <a:r>
+              <a:rPr lang="en-US" dirty="0"/>
+              <a:t> </a:t>
+            </a:r>
+            <a:r>
+              <a:rPr lang="en-US" dirty="0" err="1"/>
+              <a:t>JuPyTer</a:t>
+            </a:r>
+            <a:r>
+              <a:rPr lang="en-US" dirty="0"/>
+              <a:t> = Julia/Python/R – always intended to be multi-lingual)</a:t>
+            </a:r>
+          </a:p>
+        </p:txBody>
+      </p:sp>
+      <p:sp>
+        <p:nvSpPr>
+          <p:cNvPr id="4" name="Slide Number Placeholder 3"/>
+          <p:cNvSpPr>
+            <a:spLocks noGrp="1"/>
+          </p:cNvSpPr>
+          <p:nvPr>
+            <p:ph type="sldNum" sz="quarter" idx="10"/>
+          </p:nvPr>
+        </p:nvSpPr>
+        <p:spPr/>
+        <p:txBody>
+          <a:bodyPr/>
+          <a:lstStyle/>
+          <a:p>
+            <a:fld id="{2B9DEA3C-E553-B84A-84ED-A7DE9A6CD79E}" type="slidenum">
+              <a:rPr lang="en-US" smtClean="0"/>
+              <a:t>15</a:t>
+            </a:fld>
+            <a:endParaRPr lang="en-US"/>
+          </a:p>
+        </p:txBody>
+      </p:sp>
+    </p:spTree>
+    <p:extLst>
+      <p:ext uri="{BB962C8B-B14F-4D97-AF65-F5344CB8AC3E}">
+        <p14:creationId xmlns:p14="http://schemas.microsoft.com/office/powerpoint/2010/main" val="304936954"/>
       </p:ext>
     </p:extLst>
   </p:cSld>
@@ -5935,6 +6738,10 @@
             <a:br>
               <a:rPr lang="en-US" sz="3600" dirty="0"/>
             </a:br>
+            <a:r>
+              <a:rPr lang="en-US" sz="2400" dirty="0"/>
+              <a:t>How fickle coding practice makes for happy scientists</a:t>
+            </a:r>
             <a:endParaRPr lang="en-US" dirty="0"/>
           </a:p>
         </p:txBody>
@@ -5955,12 +6762,22 @@
             <p:ph type="subTitle" idx="1"/>
           </p:nvPr>
         </p:nvSpPr>
-        <p:spPr/>
-        <p:txBody>
-          <a:bodyPr/>
-          <a:lstStyle/>
-          <a:p>
-            <a:endParaRPr lang="en-US" dirty="0"/>
+        <p:spPr>
+          <a:xfrm>
+            <a:off x="810001" y="5280847"/>
+            <a:ext cx="10572000" cy="648466"/>
+          </a:xfrm>
+        </p:spPr>
+        <p:txBody>
+          <a:bodyPr>
+            <a:normAutofit/>
+          </a:bodyPr>
+          <a:lstStyle/>
+          <a:p>
+            <a:r>
+              <a:rPr lang="en-US" sz="2800" dirty="0"/>
+              <a:t>Ruari Rhodes, PhD</a:t>
+            </a:r>
           </a:p>
         </p:txBody>
       </p:sp>
@@ -5978,7 +6795,7 @@
 </file>
 
 <file path=ppt/slides/slide10.xml><?xml version="1.0" encoding="utf-8"?>
-<p:sld xmlns:a="http://schemas.openxmlformats.org/drawingml/2006/main" xmlns:r="http://schemas.openxmlformats.org/officeDocument/2006/relationships" xmlns:p="http://schemas.openxmlformats.org/presentationml/2006/main">
+<p:sld xmlns:a="http://schemas.openxmlformats.org/drawingml/2006/main" xmlns:r="http://schemas.openxmlformats.org/officeDocument/2006/relationships" xmlns:p="http://schemas.openxmlformats.org/presentationml/2006/main" showMasterSp="0">
   <p:cSld>
     <p:spTree>
       <p:nvGrpSpPr>
@@ -5994,205 +6811,126 @@
           <a:chExt cx="0" cy="0"/>
         </a:xfrm>
       </p:grpSpPr>
-      <p:sp>
-        <p:nvSpPr>
-          <p:cNvPr id="2" name="Title 1">
+      <p:pic>
+        <p:nvPicPr>
+          <p:cNvPr id="4" name="Picture 3">
             <a:extLst>
               <a:ext uri="{FF2B5EF4-FFF2-40B4-BE49-F238E27FC236}">
-                <a16:creationId xmlns:a16="http://schemas.microsoft.com/office/drawing/2014/main" id="{B71681D3-B6BF-2040-8C52-E35335664E6F}"/>
+                <a16:creationId xmlns:a16="http://schemas.microsoft.com/office/drawing/2014/main" id="{E48A3AAD-C1EB-0A48-902B-79ABBFBB4C71}"/>
               </a:ext>
             </a:extLst>
           </p:cNvPr>
-          <p:cNvSpPr>
-            <a:spLocks noGrp="1"/>
-          </p:cNvSpPr>
-          <p:nvPr>
-            <p:ph type="title"/>
-          </p:nvPr>
-        </p:nvSpPr>
-        <p:spPr/>
-        <p:txBody>
-          <a:bodyPr/>
-          <a:lstStyle/>
-          <a:p>
-            <a:r>
-              <a:rPr lang="en-US" dirty="0"/>
-              <a:t>Earth Engine basics</a:t>
-            </a:r>
-          </a:p>
-        </p:txBody>
-      </p:sp>
-      <p:sp>
-        <p:nvSpPr>
-          <p:cNvPr id="3" name="Content Placeholder 2">
+          <p:cNvPicPr>
+            <a:picLocks noChangeAspect="1"/>
+          </p:cNvPicPr>
+          <p:nvPr/>
+        </p:nvPicPr>
+        <p:blipFill>
+          <a:blip r:embed="rId3"/>
+          <a:stretch>
+            <a:fillRect/>
+          </a:stretch>
+        </p:blipFill>
+        <p:spPr>
+          <a:xfrm>
+            <a:off x="0" y="-16305"/>
+            <a:ext cx="4137025" cy="6874305"/>
+          </a:xfrm>
+          <a:prstGeom prst="rect">
+            <a:avLst/>
+          </a:prstGeom>
+        </p:spPr>
+      </p:pic>
+      <p:sp>
+        <p:nvSpPr>
+          <p:cNvPr id="5" name="TextBox 4">
             <a:extLst>
               <a:ext uri="{FF2B5EF4-FFF2-40B4-BE49-F238E27FC236}">
-                <a16:creationId xmlns:a16="http://schemas.microsoft.com/office/drawing/2014/main" id="{F25F153F-2E6A-1346-9920-AEE7399D962D}"/>
+                <a16:creationId xmlns:a16="http://schemas.microsoft.com/office/drawing/2014/main" id="{5CA086C9-46F8-8A44-BAA6-94150FBEC8AB}"/>
               </a:ext>
             </a:extLst>
           </p:cNvPr>
-          <p:cNvSpPr>
-            <a:spLocks noGrp="1"/>
-          </p:cNvSpPr>
-          <p:nvPr>
-            <p:ph idx="1"/>
-          </p:nvPr>
+          <p:cNvSpPr txBox="1"/>
+          <p:nvPr/>
         </p:nvSpPr>
         <p:spPr>
           <a:xfrm>
-            <a:off x="818712" y="2222287"/>
-            <a:ext cx="10554574" cy="4407113"/>
+            <a:off x="9172575" y="6057899"/>
+            <a:ext cx="2824812" cy="646331"/>
           </a:xfrm>
+          <a:prstGeom prst="rect">
+            <a:avLst/>
+          </a:prstGeom>
+          <a:noFill/>
         </p:spPr>
         <p:txBody>
-          <a:bodyPr>
-            <a:normAutofit/>
+          <a:bodyPr wrap="none" rtlCol="0">
+            <a:spAutoFit/>
           </a:bodyPr>
           <a:lstStyle/>
           <a:p>
-            <a:pPr>
-              <a:lnSpc>
-                <a:spcPct val="200000"/>
-              </a:lnSpc>
-            </a:pPr>
-            <a:r>
-              <a:rPr lang="en-US" dirty="0"/>
-              <a:t>Primarily a raster processing tool (spatial images, e.g. </a:t>
+            <a:r>
+              <a:rPr lang="en-US" b="1" dirty="0"/>
+              <a:t>Thanks to </a:t>
+            </a:r>
+            <a:r>
+              <a:rPr lang="en-US" b="1" dirty="0" err="1"/>
+              <a:t>xkcd</a:t>
+            </a:r>
+            <a:r>
+              <a:rPr lang="en-US" b="1" dirty="0"/>
+              <a:t>:</a:t>
+            </a:r>
+          </a:p>
+          <a:p>
+            <a:r>
+              <a:rPr lang="en-US" dirty="0"/>
+              <a:t>https://</a:t>
             </a:r>
             <a:r>
               <a:rPr lang="en-US" dirty="0" err="1"/>
-              <a:t>geotiff</a:t>
-            </a:r>
-            <a:r>
-              <a:rPr lang="en-US" dirty="0"/>
-              <a:t>, .</a:t>
-            </a:r>
-            <a:r>
-              <a:rPr lang="en-US" dirty="0" err="1"/>
-              <a:t>grd</a:t>
-            </a:r>
-            <a:r>
-              <a:rPr lang="en-US" dirty="0"/>
-              <a:t>, </a:t>
-            </a:r>
-            <a:r>
-              <a:rPr lang="en-US" dirty="0" err="1"/>
-              <a:t>netcdf</a:t>
-            </a:r>
-            <a:r>
-              <a:rPr lang="en-US" dirty="0"/>
-              <a:t>)</a:t>
-            </a:r>
-          </a:p>
-          <a:p>
-            <a:pPr lvl="1">
-              <a:lnSpc>
-                <a:spcPct val="200000"/>
-              </a:lnSpc>
-            </a:pPr>
-            <a:r>
-              <a:rPr lang="en-US" dirty="0"/>
-              <a:t>“Image”: 2/3 dimensional raster</a:t>
-            </a:r>
-          </a:p>
-          <a:p>
-            <a:pPr lvl="1">
-              <a:lnSpc>
-                <a:spcPct val="200000"/>
-              </a:lnSpc>
-            </a:pPr>
-            <a:r>
-              <a:rPr lang="en-US" dirty="0"/>
-              <a:t>“</a:t>
-            </a:r>
-            <a:r>
-              <a:rPr lang="en-US" dirty="0" err="1"/>
-              <a:t>ImageCollection</a:t>
-            </a:r>
-            <a:r>
-              <a:rPr lang="en-US" dirty="0"/>
-              <a:t>”: Collection of 2/3 dimensional </a:t>
-            </a:r>
-            <a:r>
-              <a:rPr lang="en-US" dirty="0" err="1"/>
-              <a:t>rasters</a:t>
-            </a:r>
-            <a:r>
-              <a:rPr lang="en-US" dirty="0"/>
-              <a:t>; can be a collection in time or space</a:t>
-            </a:r>
-          </a:p>
-          <a:p>
-            <a:pPr>
-              <a:lnSpc>
-                <a:spcPct val="200000"/>
-              </a:lnSpc>
-            </a:pPr>
-            <a:r>
-              <a:rPr lang="en-US" dirty="0"/>
-              <a:t>Also accepts spatial vectors (e.g. shapefile/</a:t>
-            </a:r>
-            <a:r>
-              <a:rPr lang="en-US" dirty="0" err="1"/>
-              <a:t>kml</a:t>
-            </a:r>
-            <a:r>
-              <a:rPr lang="en-US" dirty="0"/>
-              <a:t>/</a:t>
-            </a:r>
-            <a:r>
-              <a:rPr lang="en-US" dirty="0" err="1"/>
-              <a:t>geojson</a:t>
-            </a:r>
-            <a:r>
-              <a:rPr lang="en-US" dirty="0"/>
-              <a:t>)</a:t>
-            </a:r>
-          </a:p>
-          <a:p>
-            <a:pPr lvl="1">
-              <a:lnSpc>
-                <a:spcPct val="200000"/>
-              </a:lnSpc>
-            </a:pPr>
-            <a:r>
-              <a:rPr lang="en-US" dirty="0"/>
-              <a:t>“Feature”: Spatial vector</a:t>
-            </a:r>
-          </a:p>
-          <a:p>
-            <a:pPr lvl="1">
-              <a:lnSpc>
-                <a:spcPct val="200000"/>
-              </a:lnSpc>
-            </a:pPr>
-            <a:r>
-              <a:rPr lang="en-US" dirty="0"/>
-              <a:t>“</a:t>
-            </a:r>
-            <a:r>
-              <a:rPr lang="en-US" dirty="0" err="1"/>
-              <a:t>FeatureCollection</a:t>
-            </a:r>
-            <a:r>
-              <a:rPr lang="en-US" dirty="0"/>
-              <a:t>”: Collection of spatial vectors, can be in time or space</a:t>
-            </a:r>
-          </a:p>
-          <a:p>
-            <a:pPr>
-              <a:lnSpc>
-                <a:spcPct val="200000"/>
-              </a:lnSpc>
-            </a:pPr>
-            <a:endParaRPr lang="en-US" dirty="0"/>
-          </a:p>
-        </p:txBody>
-      </p:sp>
+              <a:t>xkcd.com</a:t>
+            </a:r>
+            <a:r>
+              <a:rPr lang="en-US" dirty="0"/>
+              <a:t>/1459/</a:t>
+            </a:r>
+          </a:p>
+        </p:txBody>
+      </p:sp>
+      <p:pic>
+        <p:nvPicPr>
+          <p:cNvPr id="6" name="Picture 5">
+            <a:extLst>
+              <a:ext uri="{FF2B5EF4-FFF2-40B4-BE49-F238E27FC236}">
+                <a16:creationId xmlns:a16="http://schemas.microsoft.com/office/drawing/2014/main" id="{79E8F99F-59A3-3043-A747-9F1CDED8B46F}"/>
+              </a:ext>
+            </a:extLst>
+          </p:cNvPr>
+          <p:cNvPicPr>
+            <a:picLocks noChangeAspect="1"/>
+          </p:cNvPicPr>
+          <p:nvPr/>
+        </p:nvPicPr>
+        <p:blipFill rotWithShape="1">
+          <a:blip r:embed="rId3"/>
+          <a:srcRect l="3568" t="2524" r="4566" b="51751"/>
+          <a:stretch/>
+        </p:blipFill>
+        <p:spPr>
+          <a:xfrm>
+            <a:off x="5162295" y="-16306"/>
+            <a:ext cx="7016046" cy="5802743"/>
+          </a:xfrm>
+          <a:prstGeom prst="rect">
+            <a:avLst/>
+          </a:prstGeom>
+        </p:spPr>
+      </p:pic>
     </p:spTree>
     <p:extLst>
       <p:ext uri="{BB962C8B-B14F-4D97-AF65-F5344CB8AC3E}">
-        <p14:creationId xmlns:p14="http://schemas.microsoft.com/office/powerpoint/2010/main" val="2737467290"/>
+        <p14:creationId xmlns:p14="http://schemas.microsoft.com/office/powerpoint/2010/main" val="2187604106"/>
       </p:ext>
     </p:extLst>
   </p:cSld>
@@ -6224,7 +6962,7 @@
           <p:cNvPr id="2" name="Title 1">
             <a:extLst>
               <a:ext uri="{FF2B5EF4-FFF2-40B4-BE49-F238E27FC236}">
-                <a16:creationId xmlns:a16="http://schemas.microsoft.com/office/drawing/2014/main" id="{A34C48A7-B43C-7B48-B428-06C3272DE0AB}"/>
+                <a16:creationId xmlns:a16="http://schemas.microsoft.com/office/drawing/2014/main" id="{B71681D3-B6BF-2040-8C52-E35335664E6F}"/>
               </a:ext>
             </a:extLst>
           </p:cNvPr>
@@ -6242,7 +6980,7 @@
           <a:p>
             <a:r>
               <a:rPr lang="en-US" dirty="0"/>
-              <a:t>Earth Engine basics continued</a:t>
+              <a:t>Earth Engine basics</a:t>
             </a:r>
           </a:p>
         </p:txBody>
@@ -6252,7 +6990,7 @@
           <p:cNvPr id="3" name="Content Placeholder 2">
             <a:extLst>
               <a:ext uri="{FF2B5EF4-FFF2-40B4-BE49-F238E27FC236}">
-                <a16:creationId xmlns:a16="http://schemas.microsoft.com/office/drawing/2014/main" id="{4A83528D-4D7D-F347-B013-1F99BBA0E914}"/>
+                <a16:creationId xmlns:a16="http://schemas.microsoft.com/office/drawing/2014/main" id="{F25F153F-2E6A-1346-9920-AEE7399D962D}"/>
               </a:ext>
             </a:extLst>
           </p:cNvPr>
@@ -6266,12 +7004,12 @@
         <p:spPr>
           <a:xfrm>
             <a:off x="818712" y="2222287"/>
-            <a:ext cx="10554574" cy="3721313"/>
+            <a:ext cx="10554574" cy="4407113"/>
           </a:xfrm>
         </p:spPr>
         <p:txBody>
           <a:bodyPr>
-            <a:normAutofit fontScale="92500" lnSpcReduction="10000"/>
+            <a:normAutofit/>
           </a:bodyPr>
           <a:lstStyle/>
           <a:p>
@@ -6282,15 +7020,69 @@
             </a:pPr>
             <a:r>
               <a:rPr lang="en-US" dirty="0"/>
-              <a:t>Interface is through a JavaScript IDE (</a:t>
+              <a:t>Primarily a raster processing tool (spatial images, e.g. </a:t>
             </a:r>
             <a:r>
               <a:rPr lang="en-US" dirty="0" err="1"/>
-              <a:t>code.earthengine.google.com</a:t>
-            </a:r>
-            <a:r>
-              <a:rPr lang="en-US" dirty="0"/>
-              <a:t>) or Python API</a:t>
+              <a:t>geotiff</a:t>
+            </a:r>
+            <a:r>
+              <a:rPr lang="en-US" dirty="0"/>
+              <a:t>, .</a:t>
+            </a:r>
+            <a:r>
+              <a:rPr lang="en-US" dirty="0" err="1"/>
+              <a:t>grd</a:t>
+            </a:r>
+            <a:r>
+              <a:rPr lang="en-US" dirty="0"/>
+              <a:t>, </a:t>
+            </a:r>
+            <a:r>
+              <a:rPr lang="en-US" dirty="0" err="1"/>
+              <a:t>netcdf</a:t>
+            </a:r>
+            <a:r>
+              <a:rPr lang="en-US" dirty="0"/>
+              <a:t>)</a:t>
+            </a:r>
+          </a:p>
+          <a:p>
+            <a:pPr lvl="1">
+              <a:lnSpc>
+                <a:spcPct val="200000"/>
+              </a:lnSpc>
+            </a:pPr>
+            <a:r>
+              <a:rPr lang="en-US" dirty="0"/>
+              <a:t>“Image”: 2/3 dimensional raster</a:t>
+            </a:r>
+          </a:p>
+          <a:p>
+            <a:pPr lvl="1">
+              <a:lnSpc>
+                <a:spcPct val="200000"/>
+              </a:lnSpc>
+            </a:pPr>
+            <a:r>
+              <a:rPr lang="en-US" dirty="0"/>
+              <a:t>“</a:t>
+            </a:r>
+            <a:r>
+              <a:rPr lang="en-US" dirty="0" err="1"/>
+              <a:t>ImageCollection</a:t>
+            </a:r>
+            <a:r>
+              <a:rPr lang="en-US" dirty="0"/>
+              <a:t>”: Collection of 2/3 dimensional </a:t>
+            </a:r>
+            <a:r>
+              <a:rPr lang="en-US" dirty="0" err="1"/>
+              <a:t>rasters</a:t>
+            </a:r>
+            <a:r>
+              <a:rPr lang="en-US" dirty="0"/>
+              <a:t>; can be a collection in time or space</a:t>
             </a:r>
           </a:p>
           <a:p>
@@ -6301,7 +7093,53 @@
             </a:pPr>
             <a:r>
               <a:rPr lang="en-US" dirty="0"/>
-              <a:t>All commands are remotely execute in the Google servers</a:t>
+              <a:t>Also accepts spatial vectors (e.g. shapefile/</a:t>
+            </a:r>
+            <a:r>
+              <a:rPr lang="en-US" dirty="0" err="1"/>
+              <a:t>kml</a:t>
+            </a:r>
+            <a:r>
+              <a:rPr lang="en-US" dirty="0"/>
+              <a:t>/</a:t>
+            </a:r>
+            <a:r>
+              <a:rPr lang="en-US" dirty="0" err="1"/>
+              <a:t>geojson</a:t>
+            </a:r>
+            <a:r>
+              <a:rPr lang="en-US" dirty="0"/>
+              <a:t>)</a:t>
+            </a:r>
+          </a:p>
+          <a:p>
+            <a:pPr lvl="1">
+              <a:lnSpc>
+                <a:spcPct val="200000"/>
+              </a:lnSpc>
+            </a:pPr>
+            <a:r>
+              <a:rPr lang="en-US" dirty="0"/>
+              <a:t>“Feature”: Spatial vector</a:t>
+            </a:r>
+          </a:p>
+          <a:p>
+            <a:pPr lvl="1">
+              <a:lnSpc>
+                <a:spcPct val="200000"/>
+              </a:lnSpc>
+            </a:pPr>
+            <a:r>
+              <a:rPr lang="en-US" dirty="0"/>
+              <a:t>“</a:t>
+            </a:r>
+            <a:r>
+              <a:rPr lang="en-US" dirty="0" err="1"/>
+              <a:t>FeatureCollection</a:t>
+            </a:r>
+            <a:r>
+              <a:rPr lang="en-US" dirty="0"/>
+              <a:t>”: Collection of spatial vectors, can be in time or space</a:t>
             </a:r>
           </a:p>
           <a:p>
@@ -6310,68 +7148,6 @@
                 <a:spcPct val="200000"/>
               </a:lnSpc>
             </a:pPr>
-            <a:r>
-              <a:rPr lang="en-US" dirty="0"/>
-              <a:t>Algorithms naturally take care of the difficulties of processing big datasets</a:t>
-            </a:r>
-          </a:p>
-          <a:p>
-            <a:pPr>
-              <a:lnSpc>
-                <a:spcPct val="200000"/>
-              </a:lnSpc>
-            </a:pPr>
-            <a:r>
-              <a:rPr lang="en-US" dirty="0"/>
-              <a:t>Commands use a dot chain format, e.g.:</a:t>
-            </a:r>
-          </a:p>
-          <a:p>
-            <a:pPr marL="457200" lvl="1" indent="0">
-              <a:lnSpc>
-                <a:spcPct val="200000"/>
-              </a:lnSpc>
-              <a:buNone/>
-            </a:pPr>
-            <a:r>
-              <a:rPr lang="en-US" dirty="0"/>
-              <a:t>image1.add( image2 ).multiply( image3 ).clip( Feature1 )</a:t>
-            </a:r>
-          </a:p>
-          <a:p>
-            <a:pPr>
-              <a:lnSpc>
-                <a:spcPct val="200000"/>
-              </a:lnSpc>
-            </a:pPr>
-            <a:r>
-              <a:rPr lang="en-US" dirty="0"/>
-              <a:t>For </a:t>
-            </a:r>
-            <a:r>
-              <a:rPr lang="en-US" b="1" dirty="0"/>
-              <a:t>R </a:t>
-            </a:r>
-            <a:r>
-              <a:rPr lang="en-US" dirty="0"/>
-              <a:t>users, similar to </a:t>
-            </a:r>
-            <a:r>
-              <a:rPr lang="en-US" dirty="0" err="1"/>
-              <a:t>dplyr</a:t>
-            </a:r>
-            <a:r>
-              <a:rPr lang="en-US" dirty="0"/>
-              <a:t> %&gt;% pipe operator</a:t>
-            </a:r>
-          </a:p>
-          <a:p>
-            <a:pPr marL="457200" lvl="1" indent="0">
-              <a:lnSpc>
-                <a:spcPct val="200000"/>
-              </a:lnSpc>
-              <a:buNone/>
-            </a:pPr>
             <a:endParaRPr lang="en-US" dirty="0"/>
           </a:p>
         </p:txBody>
@@ -6379,7 +7155,7 @@
     </p:spTree>
     <p:extLst>
       <p:ext uri="{BB962C8B-B14F-4D97-AF65-F5344CB8AC3E}">
-        <p14:creationId xmlns:p14="http://schemas.microsoft.com/office/powerpoint/2010/main" val="3729677734"/>
+        <p14:creationId xmlns:p14="http://schemas.microsoft.com/office/powerpoint/2010/main" val="2737467290"/>
       </p:ext>
     </p:extLst>
   </p:cSld>
@@ -6411,7 +7187,7 @@
           <p:cNvPr id="2" name="Title 1">
             <a:extLst>
               <a:ext uri="{FF2B5EF4-FFF2-40B4-BE49-F238E27FC236}">
-                <a16:creationId xmlns:a16="http://schemas.microsoft.com/office/drawing/2014/main" id="{27663123-0F23-5C45-815C-CCF1974AFB07}"/>
+                <a16:creationId xmlns:a16="http://schemas.microsoft.com/office/drawing/2014/main" id="{A34C48A7-B43C-7B48-B428-06C3272DE0AB}"/>
               </a:ext>
             </a:extLst>
           </p:cNvPr>
@@ -6429,7 +7205,7 @@
           <a:p>
             <a:r>
               <a:rPr lang="en-US" dirty="0"/>
-              <a:t>Time to have a go</a:t>
+              <a:t>Earth Engine basics continued</a:t>
             </a:r>
           </a:p>
         </p:txBody>
@@ -6439,7 +7215,7 @@
           <p:cNvPr id="3" name="Content Placeholder 2">
             <a:extLst>
               <a:ext uri="{FF2B5EF4-FFF2-40B4-BE49-F238E27FC236}">
-                <a16:creationId xmlns:a16="http://schemas.microsoft.com/office/drawing/2014/main" id="{8C0B08E8-D919-BC43-834C-5408AFEB2A89}"/>
+                <a16:creationId xmlns:a16="http://schemas.microsoft.com/office/drawing/2014/main" id="{4A83528D-4D7D-F347-B013-1F99BBA0E914}"/>
               </a:ext>
             </a:extLst>
           </p:cNvPr>
@@ -6450,34 +7226,147 @@
             <p:ph idx="1"/>
           </p:nvPr>
         </p:nvSpPr>
-        <p:spPr/>
+        <p:spPr>
+          <a:xfrm>
+            <a:off x="818712" y="2222287"/>
+            <a:ext cx="10554574" cy="4635713"/>
+          </a:xfrm>
+        </p:spPr>
         <p:txBody>
           <a:bodyPr>
-            <a:normAutofit/>
+            <a:normAutofit lnSpcReduction="10000"/>
           </a:bodyPr>
           <a:lstStyle/>
           <a:p>
-            <a:pPr marL="0" indent="0">
+            <a:pPr>
+              <a:lnSpc>
+                <a:spcPct val="200000"/>
+              </a:lnSpc>
+            </a:pPr>
+            <a:r>
+              <a:rPr lang="en-US" dirty="0"/>
+              <a:t>Interface is through a JavaScript IDE (</a:t>
+            </a:r>
+            <a:r>
+              <a:rPr lang="en-US" dirty="0" err="1"/>
+              <a:t>code.earthengine.google.com</a:t>
+            </a:r>
+            <a:r>
+              <a:rPr lang="en-US" dirty="0"/>
+              <a:t>) or Python API</a:t>
+            </a:r>
+          </a:p>
+          <a:p>
+            <a:pPr>
+              <a:lnSpc>
+                <a:spcPct val="200000"/>
+              </a:lnSpc>
+            </a:pPr>
+            <a:r>
+              <a:rPr lang="en-US" dirty="0"/>
+              <a:t>All commands are remotely execute in the Google servers</a:t>
+            </a:r>
+          </a:p>
+          <a:p>
+            <a:pPr>
+              <a:lnSpc>
+                <a:spcPct val="200000"/>
+              </a:lnSpc>
+            </a:pPr>
+            <a:r>
+              <a:rPr lang="en-US" dirty="0"/>
+              <a:t>Algorithms naturally take care of the difficulties of processing big datasets</a:t>
+            </a:r>
+          </a:p>
+          <a:p>
+            <a:pPr>
+              <a:lnSpc>
+                <a:spcPct val="200000"/>
+              </a:lnSpc>
+            </a:pPr>
+            <a:r>
+              <a:rPr lang="en-US" dirty="0"/>
+              <a:t>Commands use a dot chain format, e.g.:</a:t>
+            </a:r>
+          </a:p>
+          <a:p>
+            <a:pPr marL="457200" lvl="1" indent="0">
+              <a:lnSpc>
+                <a:spcPct val="200000"/>
+              </a:lnSpc>
               <a:buNone/>
             </a:pPr>
             <a:r>
-              <a:rPr lang="en-US" sz="4000" dirty="0" err="1"/>
-              <a:t>code.earthengine.google.com</a:t>
-            </a:r>
-            <a:endParaRPr lang="en-US" sz="4000" dirty="0"/>
-          </a:p>
-          <a:p>
-            <a:pPr marL="0" indent="0">
+              <a:rPr lang="en-US" dirty="0"/>
+              <a:t>image1.add( image2 ).multiply( image3 ).clip( Feature1 )</a:t>
+            </a:r>
+          </a:p>
+          <a:p>
+            <a:pPr>
+              <a:lnSpc>
+                <a:spcPct val="200000"/>
+              </a:lnSpc>
+            </a:pPr>
+            <a:r>
+              <a:rPr lang="en-US" dirty="0"/>
+              <a:t>For </a:t>
+            </a:r>
+            <a:r>
+              <a:rPr lang="en-US" b="1" dirty="0"/>
+              <a:t>Python</a:t>
+            </a:r>
+            <a:r>
+              <a:rPr lang="en-US" dirty="0"/>
+              <a:t> users, similar to native object methods</a:t>
+            </a:r>
+          </a:p>
+          <a:p>
+            <a:pPr>
+              <a:lnSpc>
+                <a:spcPct val="200000"/>
+              </a:lnSpc>
+            </a:pPr>
+            <a:r>
+              <a:rPr lang="en-US" dirty="0"/>
+              <a:t>For </a:t>
+            </a:r>
+            <a:r>
+              <a:rPr lang="en-US" b="1" dirty="0"/>
+              <a:t>R </a:t>
+            </a:r>
+            <a:r>
+              <a:rPr lang="en-US" dirty="0"/>
+              <a:t>users, similar to </a:t>
+            </a:r>
+            <a:r>
+              <a:rPr lang="en-US" dirty="0" err="1"/>
+              <a:t>dplyr</a:t>
+            </a:r>
+            <a:r>
+              <a:rPr lang="en-US" dirty="0"/>
+              <a:t> pipe operator </a:t>
+            </a:r>
+            <a:r>
+              <a:rPr lang="en-US" b="1" dirty="0"/>
+              <a:t>%&gt;%</a:t>
+            </a:r>
+            <a:endParaRPr lang="en-US" dirty="0"/>
+          </a:p>
+          <a:p>
+            <a:pPr marL="457200" lvl="1" indent="0">
+              <a:lnSpc>
+                <a:spcPct val="200000"/>
+              </a:lnSpc>
               <a:buNone/>
             </a:pPr>
-            <a:endParaRPr lang="en-US" sz="4000" dirty="0"/>
+            <a:endParaRPr lang="en-US" dirty="0"/>
           </a:p>
         </p:txBody>
       </p:sp>
     </p:spTree>
     <p:extLst>
       <p:ext uri="{BB962C8B-B14F-4D97-AF65-F5344CB8AC3E}">
-        <p14:creationId xmlns:p14="http://schemas.microsoft.com/office/powerpoint/2010/main" val="529514830"/>
+        <p14:creationId xmlns:p14="http://schemas.microsoft.com/office/powerpoint/2010/main" val="3729677734"/>
       </p:ext>
     </p:extLst>
   </p:cSld>
@@ -6509,7 +7398,7 @@
           <p:cNvPr id="2" name="Title 1">
             <a:extLst>
               <a:ext uri="{FF2B5EF4-FFF2-40B4-BE49-F238E27FC236}">
-                <a16:creationId xmlns:a16="http://schemas.microsoft.com/office/drawing/2014/main" id="{6B745F95-C47A-CA40-8878-B7126891E40B}"/>
+                <a16:creationId xmlns:a16="http://schemas.microsoft.com/office/drawing/2014/main" id="{27663123-0F23-5C45-815C-CCF1974AFB07}"/>
               </a:ext>
             </a:extLst>
           </p:cNvPr>
@@ -6527,7 +7416,7 @@
           <a:p>
             <a:r>
               <a:rPr lang="en-US" dirty="0"/>
-              <a:t>Integrating Earth Engine with R/Python</a:t>
+              <a:t>Time to have a go</a:t>
             </a:r>
           </a:p>
         </p:txBody>
@@ -6537,7 +7426,7 @@
           <p:cNvPr id="3" name="Content Placeholder 2">
             <a:extLst>
               <a:ext uri="{FF2B5EF4-FFF2-40B4-BE49-F238E27FC236}">
-                <a16:creationId xmlns:a16="http://schemas.microsoft.com/office/drawing/2014/main" id="{11C7B525-A41C-0B46-9FC7-D016BBB21323}"/>
+                <a16:creationId xmlns:a16="http://schemas.microsoft.com/office/drawing/2014/main" id="{8C0B08E8-D919-BC43-834C-5408AFEB2A89}"/>
               </a:ext>
             </a:extLst>
           </p:cNvPr>
@@ -6550,47 +7439,32 @@
         </p:nvSpPr>
         <p:spPr/>
         <p:txBody>
-          <a:bodyPr/>
-          <a:lstStyle/>
-          <a:p>
-            <a:pPr>
-              <a:lnSpc>
-                <a:spcPct val="200000"/>
-              </a:lnSpc>
+          <a:bodyPr>
+            <a:normAutofit/>
+          </a:bodyPr>
+          <a:lstStyle/>
+          <a:p>
+            <a:pPr marL="0" indent="0">
+              <a:buNone/>
             </a:pPr>
             <a:r>
-              <a:rPr lang="en-US" dirty="0"/>
-              <a:t>Powerful processing tool</a:t>
-            </a:r>
-          </a:p>
-          <a:p>
-            <a:pPr>
-              <a:lnSpc>
-                <a:spcPct val="200000"/>
-              </a:lnSpc>
+              <a:rPr lang="en-US" sz="4000" dirty="0" err="1"/>
+              <a:t>code.earthengine.google.com</a:t>
+            </a:r>
+            <a:endParaRPr lang="en-US" sz="4000" dirty="0"/>
+          </a:p>
+          <a:p>
+            <a:pPr marL="0" indent="0">
+              <a:buNone/>
             </a:pPr>
-            <a:r>
-              <a:rPr lang="en-US" dirty="0"/>
-              <a:t>Great at generating numbers</a:t>
-            </a:r>
-          </a:p>
-          <a:p>
-            <a:pPr>
-              <a:lnSpc>
-                <a:spcPct val="200000"/>
-              </a:lnSpc>
-            </a:pPr>
-            <a:r>
-              <a:rPr lang="en-US" dirty="0"/>
-              <a:t>Not great at statistical modelling / analysis</a:t>
-            </a:r>
+            <a:endParaRPr lang="en-US" sz="4000" dirty="0"/>
           </a:p>
         </p:txBody>
       </p:sp>
     </p:spTree>
     <p:extLst>
       <p:ext uri="{BB962C8B-B14F-4D97-AF65-F5344CB8AC3E}">
-        <p14:creationId xmlns:p14="http://schemas.microsoft.com/office/powerpoint/2010/main" val="1980130134"/>
+        <p14:creationId xmlns:p14="http://schemas.microsoft.com/office/powerpoint/2010/main" val="529514830"/>
       </p:ext>
     </p:extLst>
   </p:cSld>
@@ -6622,6 +7496,119 @@
           <p:cNvPr id="2" name="Title 1">
             <a:extLst>
               <a:ext uri="{FF2B5EF4-FFF2-40B4-BE49-F238E27FC236}">
+                <a16:creationId xmlns:a16="http://schemas.microsoft.com/office/drawing/2014/main" id="{6B745F95-C47A-CA40-8878-B7126891E40B}"/>
+              </a:ext>
+            </a:extLst>
+          </p:cNvPr>
+          <p:cNvSpPr>
+            <a:spLocks noGrp="1"/>
+          </p:cNvSpPr>
+          <p:nvPr>
+            <p:ph type="title"/>
+          </p:nvPr>
+        </p:nvSpPr>
+        <p:spPr/>
+        <p:txBody>
+          <a:bodyPr/>
+          <a:lstStyle/>
+          <a:p>
+            <a:r>
+              <a:rPr lang="en-US" dirty="0"/>
+              <a:t>Integrating Earth Engine with R/Python</a:t>
+            </a:r>
+          </a:p>
+        </p:txBody>
+      </p:sp>
+      <p:sp>
+        <p:nvSpPr>
+          <p:cNvPr id="3" name="Content Placeholder 2">
+            <a:extLst>
+              <a:ext uri="{FF2B5EF4-FFF2-40B4-BE49-F238E27FC236}">
+                <a16:creationId xmlns:a16="http://schemas.microsoft.com/office/drawing/2014/main" id="{11C7B525-A41C-0B46-9FC7-D016BBB21323}"/>
+              </a:ext>
+            </a:extLst>
+          </p:cNvPr>
+          <p:cNvSpPr>
+            <a:spLocks noGrp="1"/>
+          </p:cNvSpPr>
+          <p:nvPr>
+            <p:ph idx="1"/>
+          </p:nvPr>
+        </p:nvSpPr>
+        <p:spPr/>
+        <p:txBody>
+          <a:bodyPr/>
+          <a:lstStyle/>
+          <a:p>
+            <a:pPr>
+              <a:lnSpc>
+                <a:spcPct val="200000"/>
+              </a:lnSpc>
+            </a:pPr>
+            <a:r>
+              <a:rPr lang="en-US" dirty="0"/>
+              <a:t>Powerful processing tool</a:t>
+            </a:r>
+          </a:p>
+          <a:p>
+            <a:pPr>
+              <a:lnSpc>
+                <a:spcPct val="200000"/>
+              </a:lnSpc>
+            </a:pPr>
+            <a:r>
+              <a:rPr lang="en-US" dirty="0"/>
+              <a:t>Great at generating numbers</a:t>
+            </a:r>
+          </a:p>
+          <a:p>
+            <a:pPr>
+              <a:lnSpc>
+                <a:spcPct val="200000"/>
+              </a:lnSpc>
+            </a:pPr>
+            <a:r>
+              <a:rPr lang="en-US" dirty="0"/>
+              <a:t>Not great at statistical modelling / analysis</a:t>
+            </a:r>
+          </a:p>
+        </p:txBody>
+      </p:sp>
+    </p:spTree>
+    <p:extLst>
+      <p:ext uri="{BB962C8B-B14F-4D97-AF65-F5344CB8AC3E}">
+        <p14:creationId xmlns:p14="http://schemas.microsoft.com/office/powerpoint/2010/main" val="1980130134"/>
+      </p:ext>
+    </p:extLst>
+  </p:cSld>
+  <p:clrMapOvr>
+    <a:masterClrMapping/>
+  </p:clrMapOvr>
+</p:sld>
+</file>
+
+<file path=ppt/slides/slide15.xml><?xml version="1.0" encoding="utf-8"?>
+<p:sld xmlns:a="http://schemas.openxmlformats.org/drawingml/2006/main" xmlns:r="http://schemas.openxmlformats.org/officeDocument/2006/relationships" xmlns:p="http://schemas.openxmlformats.org/presentationml/2006/main">
+  <p:cSld>
+    <p:spTree>
+      <p:nvGrpSpPr>
+        <p:cNvPr id="1" name=""/>
+        <p:cNvGrpSpPr/>
+        <p:nvPr/>
+      </p:nvGrpSpPr>
+      <p:grpSpPr>
+        <a:xfrm>
+          <a:off x="0" y="0"/>
+          <a:ext cx="0" cy="0"/>
+          <a:chOff x="0" y="0"/>
+          <a:chExt cx="0" cy="0"/>
+        </a:xfrm>
+      </p:grpSpPr>
+      <p:sp>
+        <p:nvSpPr>
+          <p:cNvPr id="2" name="Title 1">
+            <a:extLst>
+              <a:ext uri="{FF2B5EF4-FFF2-40B4-BE49-F238E27FC236}">
                 <a16:creationId xmlns:a16="http://schemas.microsoft.com/office/drawing/2014/main" id="{0607D7BB-34A0-EA44-A93A-0B50B576CD19}"/>
               </a:ext>
             </a:extLst>
@@ -6742,7 +7729,7 @@
 </p:sld>
 </file>
 
-<file path=ppt/slides/slide15.xml><?xml version="1.0" encoding="utf-8"?>
+<file path=ppt/slides/slide16.xml><?xml version="1.0" encoding="utf-8"?>
 <p:sld xmlns:a="http://schemas.openxmlformats.org/drawingml/2006/main" xmlns:r="http://schemas.openxmlformats.org/officeDocument/2006/relationships" xmlns:p="http://schemas.openxmlformats.org/presentationml/2006/main">
   <p:cSld>
     <p:spTree>
@@ -7039,7 +8026,7 @@
 </p:sld>
 </file>
 
-<file path=ppt/slides/slide16.xml><?xml version="1.0" encoding="utf-8"?>
+<file path=ppt/slides/slide17.xml><?xml version="1.0" encoding="utf-8"?>
 <p:sld xmlns:a="http://schemas.openxmlformats.org/drawingml/2006/main" xmlns:r="http://schemas.openxmlformats.org/officeDocument/2006/relationships" xmlns:p="http://schemas.openxmlformats.org/presentationml/2006/main" showMasterSp="0">
   <p:cSld>
     <p:bg>
@@ -7110,7 +8097,7 @@
 </p:sld>
 </file>
 
-<file path=ppt/slides/slide17.xml><?xml version="1.0" encoding="utf-8"?>
+<file path=ppt/slides/slide18.xml><?xml version="1.0" encoding="utf-8"?>
 <p:sld xmlns:a="http://schemas.openxmlformats.org/drawingml/2006/main" xmlns:r="http://schemas.openxmlformats.org/officeDocument/2006/relationships" xmlns:p="http://schemas.openxmlformats.org/presentationml/2006/main">
   <p:cSld>
     <p:spTree>
@@ -7176,24 +8163,33 @@
           <a:bodyPr/>
           <a:lstStyle/>
           <a:p>
-            <a:r>
-              <a:rPr lang="en-US" dirty="0"/>
-              <a:t>A range of powerful tools are available for spatial data</a:t>
-            </a:r>
-          </a:p>
-          <a:p>
-            <a:r>
-              <a:rPr lang="en-US" dirty="0"/>
-              <a:t>They might not be great for end-to-end analysis</a:t>
-            </a:r>
-          </a:p>
-          <a:p>
+            <a:pPr>
+              <a:lnSpc>
+                <a:spcPct val="200000"/>
+              </a:lnSpc>
+            </a:pPr>
+            <a:r>
+              <a:rPr lang="en-US" dirty="0"/>
+              <a:t>Powerful, specialized tools are available for spatial data</a:t>
+            </a:r>
+          </a:p>
+          <a:p>
+            <a:pPr>
+              <a:lnSpc>
+                <a:spcPct val="200000"/>
+              </a:lnSpc>
+            </a:pPr>
             <a:r>
               <a:rPr lang="en-US" dirty="0"/>
               <a:t>We can save hassle by driving multiple languages from one script</a:t>
             </a:r>
           </a:p>
           <a:p>
+            <a:pPr>
+              <a:lnSpc>
+                <a:spcPct val="200000"/>
+              </a:lnSpc>
+            </a:pPr>
             <a:r>
               <a:rPr lang="en-US" dirty="0"/>
               <a:t>We can ensure reproducibility by creating a fully automated, integrated workflow</a:t>
@@ -7211,6 +8207,262 @@
     <p:extLst>
       <p:ext uri="{BB962C8B-B14F-4D97-AF65-F5344CB8AC3E}">
         <p14:creationId xmlns:p14="http://schemas.microsoft.com/office/powerpoint/2010/main" val="1455991864"/>
+      </p:ext>
+    </p:extLst>
+  </p:cSld>
+  <p:clrMapOvr>
+    <a:masterClrMapping/>
+  </p:clrMapOvr>
+</p:sld>
+</file>
+
+<file path=ppt/slides/slide19.xml><?xml version="1.0" encoding="utf-8"?>
+<p:sld xmlns:a="http://schemas.openxmlformats.org/drawingml/2006/main" xmlns:r="http://schemas.openxmlformats.org/officeDocument/2006/relationships" xmlns:p="http://schemas.openxmlformats.org/presentationml/2006/main">
+  <p:cSld>
+    <p:spTree>
+      <p:nvGrpSpPr>
+        <p:cNvPr id="1" name=""/>
+        <p:cNvGrpSpPr/>
+        <p:nvPr/>
+      </p:nvGrpSpPr>
+      <p:grpSpPr>
+        <a:xfrm>
+          <a:off x="0" y="0"/>
+          <a:ext cx="0" cy="0"/>
+          <a:chOff x="0" y="0"/>
+          <a:chExt cx="0" cy="0"/>
+        </a:xfrm>
+      </p:grpSpPr>
+      <p:sp>
+        <p:nvSpPr>
+          <p:cNvPr id="2" name="Title 1">
+            <a:extLst>
+              <a:ext uri="{FF2B5EF4-FFF2-40B4-BE49-F238E27FC236}">
+                <a16:creationId xmlns:a16="http://schemas.microsoft.com/office/drawing/2014/main" id="{62CAF582-5AC5-A044-9C78-869DF85C7857}"/>
+              </a:ext>
+            </a:extLst>
+          </p:cNvPr>
+          <p:cNvSpPr>
+            <a:spLocks noGrp="1"/>
+          </p:cNvSpPr>
+          <p:nvPr>
+            <p:ph type="title"/>
+          </p:nvPr>
+        </p:nvSpPr>
+        <p:spPr/>
+        <p:txBody>
+          <a:bodyPr/>
+          <a:lstStyle/>
+          <a:p>
+            <a:r>
+              <a:rPr lang="en-US" dirty="0"/>
+              <a:t>Finally…</a:t>
+            </a:r>
+          </a:p>
+        </p:txBody>
+      </p:sp>
+      <p:sp>
+        <p:nvSpPr>
+          <p:cNvPr id="3" name="Content Placeholder 2">
+            <a:extLst>
+              <a:ext uri="{FF2B5EF4-FFF2-40B4-BE49-F238E27FC236}">
+                <a16:creationId xmlns:a16="http://schemas.microsoft.com/office/drawing/2014/main" id="{E00D3E8C-6EDF-0747-9DAA-88B3FCCFD114}"/>
+              </a:ext>
+            </a:extLst>
+          </p:cNvPr>
+          <p:cNvSpPr>
+            <a:spLocks noGrp="1"/>
+          </p:cNvSpPr>
+          <p:nvPr>
+            <p:ph idx="1"/>
+          </p:nvPr>
+        </p:nvSpPr>
+        <p:spPr>
+          <a:xfrm>
+            <a:off x="810000" y="2100263"/>
+            <a:ext cx="10554574" cy="4224892"/>
+          </a:xfrm>
+        </p:spPr>
+        <p:txBody>
+          <a:bodyPr>
+            <a:normAutofit fontScale="92500" lnSpcReduction="20000"/>
+          </a:bodyPr>
+          <a:lstStyle/>
+          <a:p>
+            <a:r>
+              <a:rPr lang="en-US" dirty="0"/>
+              <a:t>Time spent in careful code development almost always leads to </a:t>
+            </a:r>
+            <a:r>
+              <a:rPr lang="en-US" b="1" dirty="0"/>
+              <a:t>time saved later</a:t>
+            </a:r>
+          </a:p>
+          <a:p>
+            <a:endParaRPr lang="en-US" b="1" dirty="0"/>
+          </a:p>
+          <a:p>
+            <a:r>
+              <a:rPr lang="en-US" dirty="0"/>
+              <a:t>Patchy, poorly written code inevitably leads to mistakes</a:t>
+            </a:r>
+          </a:p>
+          <a:p>
+            <a:pPr lvl="1"/>
+            <a:r>
+              <a:rPr lang="en-US" dirty="0"/>
+              <a:t>Are you </a:t>
+            </a:r>
+            <a:r>
+              <a:rPr lang="en-US" b="1" dirty="0"/>
+              <a:t>sure</a:t>
+            </a:r>
+            <a:r>
+              <a:rPr lang="en-US" dirty="0"/>
+              <a:t> your code lead you to the right answer? How about the studies that predated you?</a:t>
+            </a:r>
+          </a:p>
+          <a:p>
+            <a:pPr lvl="1"/>
+            <a:r>
+              <a:rPr lang="en-US" dirty="0"/>
+              <a:t>Would your code pass </a:t>
+            </a:r>
+            <a:r>
+              <a:rPr lang="en-US" b="1" dirty="0"/>
+              <a:t>peer review </a:t>
+            </a:r>
+            <a:r>
+              <a:rPr lang="en-US" dirty="0"/>
+              <a:t>in the same way that your paper does?</a:t>
+            </a:r>
+          </a:p>
+          <a:p>
+            <a:pPr lvl="1"/>
+            <a:r>
+              <a:rPr lang="en-US" dirty="0"/>
+              <a:t>Are you going to publish the code that supports your conclusions, and if not, </a:t>
+            </a:r>
+            <a:r>
+              <a:rPr lang="en-US" b="1" dirty="0"/>
+              <a:t>why not?</a:t>
+            </a:r>
+          </a:p>
+          <a:p>
+            <a:pPr lvl="1"/>
+            <a:endParaRPr lang="en-US" dirty="0"/>
+          </a:p>
+          <a:p>
+            <a:r>
+              <a:rPr lang="en-US" dirty="0"/>
+              <a:t>If you updated your inputs, would your code still function?</a:t>
+            </a:r>
+          </a:p>
+          <a:p>
+            <a:pPr lvl="1"/>
+            <a:r>
+              <a:rPr lang="en-US" dirty="0"/>
+              <a:t>Does your script cleanse raw data and generate output paths, or are you doing that manually?</a:t>
+            </a:r>
+          </a:p>
+          <a:p>
+            <a:pPr lvl="1"/>
+            <a:r>
+              <a:rPr lang="en-US" dirty="0"/>
+              <a:t>If manual, is that truly </a:t>
+            </a:r>
+            <a:r>
+              <a:rPr lang="en-US" b="1" dirty="0"/>
+              <a:t>repeatable</a:t>
+            </a:r>
+            <a:r>
+              <a:rPr lang="en-US" dirty="0"/>
+              <a:t>? Is it efficient? Where might mistakes creep in?</a:t>
+            </a:r>
+          </a:p>
+          <a:p>
+            <a:pPr lvl="1"/>
+            <a:endParaRPr lang="en-US" dirty="0"/>
+          </a:p>
+          <a:p>
+            <a:r>
+              <a:rPr lang="en-US" dirty="0"/>
+              <a:t>If your project is part of a team effort, are you using </a:t>
+            </a:r>
+            <a:r>
+              <a:rPr lang="en-US" b="1" dirty="0"/>
+              <a:t>version control? </a:t>
+            </a:r>
+            <a:r>
+              <a:rPr lang="en-US" dirty="0"/>
+              <a:t>Is everyone using the right code / data?</a:t>
+            </a:r>
+          </a:p>
+        </p:txBody>
+      </p:sp>
+      <p:sp>
+        <p:nvSpPr>
+          <p:cNvPr id="4" name="TextBox 3">
+            <a:extLst>
+              <a:ext uri="{FF2B5EF4-FFF2-40B4-BE49-F238E27FC236}">
+                <a16:creationId xmlns:a16="http://schemas.microsoft.com/office/drawing/2014/main" id="{1E166AEC-7A4D-D345-9256-A489833FB4C3}"/>
+              </a:ext>
+            </a:extLst>
+          </p:cNvPr>
+          <p:cNvSpPr txBox="1"/>
+          <p:nvPr/>
+        </p:nvSpPr>
+        <p:spPr>
+          <a:xfrm>
+            <a:off x="1024319" y="6488668"/>
+            <a:ext cx="10844213" cy="369332"/>
+          </a:xfrm>
+          <a:prstGeom prst="rect">
+            <a:avLst/>
+          </a:prstGeom>
+          <a:noFill/>
+        </p:spPr>
+        <p:txBody>
+          <a:bodyPr wrap="square" rtlCol="0">
+            <a:spAutoFit/>
+          </a:bodyPr>
+          <a:lstStyle/>
+          <a:p>
+            <a:r>
+              <a:rPr lang="en-US" b="1" dirty="0"/>
+              <a:t>Pointers: </a:t>
+            </a:r>
+            <a:r>
+              <a:rPr lang="en-US" b="1" dirty="0" err="1"/>
+              <a:t>Tidyverse</a:t>
+            </a:r>
+            <a:r>
+              <a:rPr lang="en-US" b="1" dirty="0"/>
+              <a:t> (R), projects (</a:t>
+            </a:r>
+            <a:r>
+              <a:rPr lang="en-US" b="1" dirty="0" err="1"/>
+              <a:t>Rstudio</a:t>
+            </a:r>
+            <a:r>
+              <a:rPr lang="en-US" b="1" dirty="0"/>
+              <a:t>/</a:t>
+            </a:r>
+            <a:r>
+              <a:rPr lang="en-US" b="1" dirty="0" err="1"/>
+              <a:t>Spyder</a:t>
+            </a:r>
+            <a:r>
+              <a:rPr lang="en-US" b="1" dirty="0"/>
+              <a:t>), GIT, Markdown, filename good practice</a:t>
+            </a:r>
+          </a:p>
+        </p:txBody>
+      </p:sp>
+    </p:spTree>
+    <p:extLst>
+      <p:ext uri="{BB962C8B-B14F-4D97-AF65-F5344CB8AC3E}">
+        <p14:creationId xmlns:p14="http://schemas.microsoft.com/office/powerpoint/2010/main" val="990022343"/>
       </p:ext>
     </p:extLst>
   </p:cSld>
@@ -7242,7 +8494,7 @@
           <p:cNvPr id="2" name="Title 1">
             <a:extLst>
               <a:ext uri="{FF2B5EF4-FFF2-40B4-BE49-F238E27FC236}">
-                <a16:creationId xmlns:a16="http://schemas.microsoft.com/office/drawing/2014/main" id="{49B9047E-AC1B-FE49-B077-B51BA25F7238}"/>
+                <a16:creationId xmlns:a16="http://schemas.microsoft.com/office/drawing/2014/main" id="{5D01B766-5C10-E34B-8A66-F6F17008F6ED}"/>
               </a:ext>
             </a:extLst>
           </p:cNvPr>
@@ -7260,7 +8512,7 @@
           <a:p>
             <a:r>
               <a:rPr lang="en-US" dirty="0"/>
-              <a:t>Introduction</a:t>
+              <a:t>Preamble</a:t>
             </a:r>
           </a:p>
         </p:txBody>
@@ -7270,7 +8522,7 @@
           <p:cNvPr id="3" name="Content Placeholder 2">
             <a:extLst>
               <a:ext uri="{FF2B5EF4-FFF2-40B4-BE49-F238E27FC236}">
-                <a16:creationId xmlns:a16="http://schemas.microsoft.com/office/drawing/2014/main" id="{33BAE8AD-4AB8-AC47-9A56-1E9F95C81AFE}"/>
+                <a16:creationId xmlns:a16="http://schemas.microsoft.com/office/drawing/2014/main" id="{90971B8A-E9B1-1B48-8352-384176BB7DC9}"/>
               </a:ext>
             </a:extLst>
           </p:cNvPr>
@@ -7286,55 +8538,89 @@
           <a:bodyPr/>
           <a:lstStyle/>
           <a:p>
-            <a:pPr>
-              <a:lnSpc>
-                <a:spcPct val="200000"/>
-              </a:lnSpc>
+            <a:r>
+              <a:rPr lang="en-US" dirty="0"/>
+              <a:t>All code, data and slides available at </a:t>
+            </a:r>
+            <a:r>
+              <a:rPr lang="en-US" b="1" dirty="0">
+                <a:hlinkClick r:id="rId2"/>
+              </a:rPr>
+              <a:t>https://github.com/ruari-rhodes/ucl-code-workshop</a:t>
+            </a:r>
+            <a:endParaRPr lang="en-US" b="1" dirty="0"/>
+          </a:p>
+          <a:p>
+            <a:endParaRPr lang="en-US" dirty="0"/>
+          </a:p>
+          <a:p>
+            <a:r>
+              <a:rPr lang="en-US" dirty="0"/>
+              <a:t>Earth Engine signup: </a:t>
+            </a:r>
+            <a:r>
+              <a:rPr lang="en-US" b="1" dirty="0">
+                <a:hlinkClick r:id="rId3"/>
+              </a:rPr>
+              <a:t>https://</a:t>
+            </a:r>
+            <a:r>
+              <a:rPr lang="en-US" b="1" dirty="0" err="1">
+                <a:hlinkClick r:id="rId3"/>
+              </a:rPr>
+              <a:t>earthengine.google.com</a:t>
+            </a:r>
+            <a:r>
+              <a:rPr lang="en-US" b="1" dirty="0">
+                <a:hlinkClick r:id="rId3"/>
+              </a:rPr>
+              <a:t>/</a:t>
+            </a:r>
+            <a:r>
+              <a:rPr lang="en-US" b="1" dirty="0" err="1">
+                <a:hlinkClick r:id="rId3"/>
+              </a:rPr>
+              <a:t>new_signup</a:t>
+            </a:r>
+            <a:r>
+              <a:rPr lang="en-US" b="1" dirty="0">
+                <a:hlinkClick r:id="rId3"/>
+              </a:rPr>
+              <a:t>/</a:t>
+            </a:r>
+            <a:endParaRPr lang="en-US" b="1" dirty="0"/>
+          </a:p>
+          <a:p>
+            <a:pPr marL="0" indent="0">
+              <a:buNone/>
             </a:pPr>
-            <a:r>
-              <a:rPr lang="en-US" dirty="0"/>
-              <a:t>We all have a preferred programming language</a:t>
-            </a:r>
-          </a:p>
-          <a:p>
-            <a:pPr>
-              <a:lnSpc>
-                <a:spcPct val="200000"/>
-              </a:lnSpc>
-            </a:pPr>
-            <a:r>
-              <a:rPr lang="en-US" dirty="0"/>
-              <a:t>They are (almost) all extremely good at something, and less good at something else</a:t>
-            </a:r>
-          </a:p>
-          <a:p>
-            <a:pPr>
-              <a:lnSpc>
-                <a:spcPct val="200000"/>
-              </a:lnSpc>
-            </a:pPr>
-            <a:r>
-              <a:rPr lang="en-US" dirty="0"/>
-              <a:t>There’s no shame in being a master of one language</a:t>
-            </a:r>
-          </a:p>
-          <a:p>
-            <a:pPr>
-              <a:lnSpc>
-                <a:spcPct val="200000"/>
-              </a:lnSpc>
-            </a:pPr>
-            <a:r>
-              <a:rPr lang="en-US" dirty="0"/>
-              <a:t>There’s also no shame in being fickle when it suits</a:t>
-            </a:r>
+            <a:endParaRPr lang="en-US" dirty="0"/>
+          </a:p>
+          <a:p>
+            <a:r>
+              <a:rPr lang="en-US" dirty="0"/>
+              <a:t>Earth Engine IDE: </a:t>
+            </a:r>
+            <a:r>
+              <a:rPr lang="en-US" b="1" dirty="0">
+                <a:hlinkClick r:id="rId4"/>
+              </a:rPr>
+              <a:t>https://</a:t>
+            </a:r>
+            <a:r>
+              <a:rPr lang="en-US" b="1" dirty="0" err="1">
+                <a:hlinkClick r:id="rId4"/>
+              </a:rPr>
+              <a:t>code.earthengine.google.com</a:t>
+            </a:r>
+            <a:endParaRPr lang="en-US" b="1" dirty="0"/>
           </a:p>
         </p:txBody>
       </p:sp>
     </p:spTree>
     <p:extLst>
       <p:ext uri="{BB962C8B-B14F-4D97-AF65-F5344CB8AC3E}">
-        <p14:creationId xmlns:p14="http://schemas.microsoft.com/office/powerpoint/2010/main" val="3261803971"/>
+        <p14:creationId xmlns:p14="http://schemas.microsoft.com/office/powerpoint/2010/main" val="2179483970"/>
       </p:ext>
     </p:extLst>
   </p:cSld>
@@ -7366,7 +8652,7 @@
           <p:cNvPr id="2" name="Title 1">
             <a:extLst>
               <a:ext uri="{FF2B5EF4-FFF2-40B4-BE49-F238E27FC236}">
-                <a16:creationId xmlns:a16="http://schemas.microsoft.com/office/drawing/2014/main" id="{DB83176D-076E-C843-A5C8-5280A63EFBFA}"/>
+                <a16:creationId xmlns:a16="http://schemas.microsoft.com/office/drawing/2014/main" id="{49B9047E-AC1B-FE49-B077-B51BA25F7238}"/>
               </a:ext>
             </a:extLst>
           </p:cNvPr>
@@ -7384,7 +8670,7 @@
           <a:p>
             <a:r>
               <a:rPr lang="en-US" dirty="0"/>
-              <a:t>About me</a:t>
+              <a:t>Introduction</a:t>
             </a:r>
           </a:p>
         </p:txBody>
@@ -7394,7 +8680,7 @@
           <p:cNvPr id="3" name="Content Placeholder 2">
             <a:extLst>
               <a:ext uri="{FF2B5EF4-FFF2-40B4-BE49-F238E27FC236}">
-                <a16:creationId xmlns:a16="http://schemas.microsoft.com/office/drawing/2014/main" id="{4D796A1D-7A4D-5F44-B556-97D0E4996727}"/>
+                <a16:creationId xmlns:a16="http://schemas.microsoft.com/office/drawing/2014/main" id="{33BAE8AD-4AB8-AC47-9A56-1E9F95C81AFE}"/>
               </a:ext>
             </a:extLst>
           </p:cNvPr>
@@ -7417,15 +8703,7 @@
             </a:pPr>
             <a:r>
               <a:rPr lang="en-US" dirty="0"/>
-              <a:t>Natural Catastrophe Research at </a:t>
-            </a:r>
-            <a:r>
-              <a:rPr lang="en-US" dirty="0" err="1"/>
-              <a:t>Hiscox</a:t>
-            </a:r>
-            <a:r>
-              <a:rPr lang="en-US" dirty="0"/>
-              <a:t> (mainly US inland flood)</a:t>
+              <a:t>We all have a preferred programming language</a:t>
             </a:r>
           </a:p>
           <a:p>
@@ -7436,7 +8714,7 @@
             </a:pPr>
             <a:r>
               <a:rPr lang="en-US" dirty="0"/>
-              <a:t>Previously Meteorology/Climatology PhD at University of Reading</a:t>
+              <a:t>They are (almost) all extremely good at something, and less good at something else</a:t>
             </a:r>
           </a:p>
           <a:p>
@@ -7447,13 +8725,8 @@
             </a:pPr>
             <a:r>
               <a:rPr lang="en-US" dirty="0"/>
-              <a:t>Mainly coding in </a:t>
-            </a:r>
-            <a:r>
-              <a:rPr lang="en-US" b="1" dirty="0"/>
-              <a:t>R</a:t>
-            </a:r>
-            <a:endParaRPr lang="en-US" dirty="0"/>
+              <a:t>There’s no shame in being a master of one language</a:t>
+            </a:r>
           </a:p>
           <a:p>
             <a:pPr>
@@ -7463,18 +8736,7 @@
             </a:pPr>
             <a:r>
               <a:rPr lang="en-US" dirty="0"/>
-              <a:t>Occasional Python, lots of QGIS/GDAL/OGR/Google Earth Engine</a:t>
-            </a:r>
-          </a:p>
-          <a:p>
-            <a:pPr>
-              <a:lnSpc>
-                <a:spcPct val="200000"/>
-              </a:lnSpc>
-            </a:pPr>
-            <a:r>
-              <a:rPr lang="en-US" dirty="0"/>
-              <a:t>Avid proponent of thoughtful coding and reproducible workflows</a:t>
+              <a:t>There’s also no shame in being fickle when it suits</a:t>
             </a:r>
           </a:p>
         </p:txBody>
@@ -7482,7 +8744,7 @@
     </p:spTree>
     <p:extLst>
       <p:ext uri="{BB962C8B-B14F-4D97-AF65-F5344CB8AC3E}">
-        <p14:creationId xmlns:p14="http://schemas.microsoft.com/office/powerpoint/2010/main" val="511873623"/>
+        <p14:creationId xmlns:p14="http://schemas.microsoft.com/office/powerpoint/2010/main" val="3261803971"/>
       </p:ext>
     </p:extLst>
   </p:cSld>
@@ -7514,6 +8776,154 @@
           <p:cNvPr id="2" name="Title 1">
             <a:extLst>
               <a:ext uri="{FF2B5EF4-FFF2-40B4-BE49-F238E27FC236}">
+                <a16:creationId xmlns:a16="http://schemas.microsoft.com/office/drawing/2014/main" id="{DB83176D-076E-C843-A5C8-5280A63EFBFA}"/>
+              </a:ext>
+            </a:extLst>
+          </p:cNvPr>
+          <p:cNvSpPr>
+            <a:spLocks noGrp="1"/>
+          </p:cNvSpPr>
+          <p:nvPr>
+            <p:ph type="title"/>
+          </p:nvPr>
+        </p:nvSpPr>
+        <p:spPr/>
+        <p:txBody>
+          <a:bodyPr/>
+          <a:lstStyle/>
+          <a:p>
+            <a:r>
+              <a:rPr lang="en-US" dirty="0"/>
+              <a:t>About me</a:t>
+            </a:r>
+          </a:p>
+        </p:txBody>
+      </p:sp>
+      <p:sp>
+        <p:nvSpPr>
+          <p:cNvPr id="3" name="Content Placeholder 2">
+            <a:extLst>
+              <a:ext uri="{FF2B5EF4-FFF2-40B4-BE49-F238E27FC236}">
+                <a16:creationId xmlns:a16="http://schemas.microsoft.com/office/drawing/2014/main" id="{4D796A1D-7A4D-5F44-B556-97D0E4996727}"/>
+              </a:ext>
+            </a:extLst>
+          </p:cNvPr>
+          <p:cNvSpPr>
+            <a:spLocks noGrp="1"/>
+          </p:cNvSpPr>
+          <p:nvPr>
+            <p:ph idx="1"/>
+          </p:nvPr>
+        </p:nvSpPr>
+        <p:spPr/>
+        <p:txBody>
+          <a:bodyPr/>
+          <a:lstStyle/>
+          <a:p>
+            <a:pPr>
+              <a:lnSpc>
+                <a:spcPct val="200000"/>
+              </a:lnSpc>
+            </a:pPr>
+            <a:r>
+              <a:rPr lang="en-US" dirty="0"/>
+              <a:t>Natural Catastrophe Research at </a:t>
+            </a:r>
+            <a:r>
+              <a:rPr lang="en-US" dirty="0" err="1"/>
+              <a:t>Hiscox</a:t>
+            </a:r>
+            <a:r>
+              <a:rPr lang="en-US" dirty="0"/>
+              <a:t> (mainly US inland flood)</a:t>
+            </a:r>
+          </a:p>
+          <a:p>
+            <a:pPr>
+              <a:lnSpc>
+                <a:spcPct val="200000"/>
+              </a:lnSpc>
+            </a:pPr>
+            <a:r>
+              <a:rPr lang="en-US" dirty="0"/>
+              <a:t>Previously Meteorology/Climatology PhD at University of Reading</a:t>
+            </a:r>
+          </a:p>
+          <a:p>
+            <a:pPr>
+              <a:lnSpc>
+                <a:spcPct val="200000"/>
+              </a:lnSpc>
+            </a:pPr>
+            <a:r>
+              <a:rPr lang="en-US" dirty="0"/>
+              <a:t>Mainly coding in </a:t>
+            </a:r>
+            <a:r>
+              <a:rPr lang="en-US" b="1" dirty="0"/>
+              <a:t>R</a:t>
+            </a:r>
+            <a:endParaRPr lang="en-US" dirty="0"/>
+          </a:p>
+          <a:p>
+            <a:pPr>
+              <a:lnSpc>
+                <a:spcPct val="200000"/>
+              </a:lnSpc>
+            </a:pPr>
+            <a:r>
+              <a:rPr lang="en-US" dirty="0"/>
+              <a:t>Occasional Python, lots of QGIS/GDAL/OGR/Google Earth Engine</a:t>
+            </a:r>
+          </a:p>
+          <a:p>
+            <a:pPr>
+              <a:lnSpc>
+                <a:spcPct val="200000"/>
+              </a:lnSpc>
+            </a:pPr>
+            <a:r>
+              <a:rPr lang="en-US" dirty="0"/>
+              <a:t>Avid proponent of thoughtful coding and reproducible workflows</a:t>
+            </a:r>
+          </a:p>
+        </p:txBody>
+      </p:sp>
+    </p:spTree>
+    <p:extLst>
+      <p:ext uri="{BB962C8B-B14F-4D97-AF65-F5344CB8AC3E}">
+        <p14:creationId xmlns:p14="http://schemas.microsoft.com/office/powerpoint/2010/main" val="511873623"/>
+      </p:ext>
+    </p:extLst>
+  </p:cSld>
+  <p:clrMapOvr>
+    <a:masterClrMapping/>
+  </p:clrMapOvr>
+</p:sld>
+</file>
+
+<file path=ppt/slides/slide5.xml><?xml version="1.0" encoding="utf-8"?>
+<p:sld xmlns:a="http://schemas.openxmlformats.org/drawingml/2006/main" xmlns:r="http://schemas.openxmlformats.org/officeDocument/2006/relationships" xmlns:p="http://schemas.openxmlformats.org/presentationml/2006/main">
+  <p:cSld>
+    <p:spTree>
+      <p:nvGrpSpPr>
+        <p:cNvPr id="1" name=""/>
+        <p:cNvGrpSpPr/>
+        <p:nvPr/>
+      </p:nvGrpSpPr>
+      <p:grpSpPr>
+        <a:xfrm>
+          <a:off x="0" y="0"/>
+          <a:ext cx="0" cy="0"/>
+          <a:chOff x="0" y="0"/>
+          <a:chExt cx="0" cy="0"/>
+        </a:xfrm>
+      </p:grpSpPr>
+      <p:sp>
+        <p:nvSpPr>
+          <p:cNvPr id="2" name="Title 1">
+            <a:extLst>
+              <a:ext uri="{FF2B5EF4-FFF2-40B4-BE49-F238E27FC236}">
                 <a16:creationId xmlns:a16="http://schemas.microsoft.com/office/drawing/2014/main" id="{908F909A-5EF9-AA48-8835-DAB3A8FE4747}"/>
               </a:ext>
             </a:extLst>
@@ -7561,7 +8971,7 @@
         </p:spPr>
         <p:txBody>
           <a:bodyPr>
-            <a:normAutofit fontScale="92500"/>
+            <a:normAutofit/>
           </a:bodyPr>
           <a:lstStyle/>
           <a:p>
@@ -7606,18 +9016,6 @@
             <a:r>
               <a:rPr lang="en-US" dirty="0"/>
               <a:t>Sometimes the custom package that your project needs may only exist in another language</a:t>
-            </a:r>
-          </a:p>
-          <a:p>
-            <a:pPr marL="457200" lvl="1" indent="0">
-              <a:lnSpc>
-                <a:spcPct val="200000"/>
-              </a:lnSpc>
-              <a:buNone/>
-            </a:pPr>
-            <a:r>
-              <a:rPr lang="en-US" dirty="0"/>
-              <a:t>(How many meteorologists are still using IDL because the UM is easier that way?)</a:t>
             </a:r>
           </a:p>
           <a:p>
@@ -7646,7 +9044,7 @@
 </p:sld>
 </file>
 
-<file path=ppt/slides/slide5.xml><?xml version="1.0" encoding="utf-8"?>
+<file path=ppt/slides/slide6.xml><?xml version="1.0" encoding="utf-8"?>
 <p:sld xmlns:a="http://schemas.openxmlformats.org/drawingml/2006/main" xmlns:r="http://schemas.openxmlformats.org/officeDocument/2006/relationships" xmlns:p="http://schemas.openxmlformats.org/presentationml/2006/main" showMasterSp="0">
   <p:cSld>
     <p:bg>
@@ -7715,152 +9113,6 @@
     <p:extLst>
       <p:ext uri="{BB962C8B-B14F-4D97-AF65-F5344CB8AC3E}">
         <p14:creationId xmlns:p14="http://schemas.microsoft.com/office/powerpoint/2010/main" val="228340922"/>
-      </p:ext>
-    </p:extLst>
-  </p:cSld>
-  <p:clrMapOvr>
-    <a:masterClrMapping/>
-  </p:clrMapOvr>
-</p:sld>
-</file>
-
-<file path=ppt/slides/slide6.xml><?xml version="1.0" encoding="utf-8"?>
-<p:sld xmlns:a="http://schemas.openxmlformats.org/drawingml/2006/main" xmlns:r="http://schemas.openxmlformats.org/officeDocument/2006/relationships" xmlns:p="http://schemas.openxmlformats.org/presentationml/2006/main">
-  <p:cSld>
-    <p:spTree>
-      <p:nvGrpSpPr>
-        <p:cNvPr id="1" name=""/>
-        <p:cNvGrpSpPr/>
-        <p:nvPr/>
-      </p:nvGrpSpPr>
-      <p:grpSpPr>
-        <a:xfrm>
-          <a:off x="0" y="0"/>
-          <a:ext cx="0" cy="0"/>
-          <a:chOff x="0" y="0"/>
-          <a:chExt cx="0" cy="0"/>
-        </a:xfrm>
-      </p:grpSpPr>
-      <p:sp>
-        <p:nvSpPr>
-          <p:cNvPr id="2" name="Title 1">
-            <a:extLst>
-              <a:ext uri="{FF2B5EF4-FFF2-40B4-BE49-F238E27FC236}">
-                <a16:creationId xmlns:a16="http://schemas.microsoft.com/office/drawing/2014/main" id="{BECA4C8A-D352-974C-864A-14B4A1EA5737}"/>
-              </a:ext>
-            </a:extLst>
-          </p:cNvPr>
-          <p:cNvSpPr>
-            <a:spLocks noGrp="1"/>
-          </p:cNvSpPr>
-          <p:nvPr>
-            <p:ph type="title"/>
-          </p:nvPr>
-        </p:nvSpPr>
-        <p:spPr/>
-        <p:txBody>
-          <a:bodyPr/>
-          <a:lstStyle/>
-          <a:p>
-            <a:r>
-              <a:rPr lang="en-US" dirty="0"/>
-              <a:t>Tools for the job</a:t>
-            </a:r>
-          </a:p>
-        </p:txBody>
-      </p:sp>
-      <p:sp>
-        <p:nvSpPr>
-          <p:cNvPr id="3" name="Content Placeholder 2">
-            <a:extLst>
-              <a:ext uri="{FF2B5EF4-FFF2-40B4-BE49-F238E27FC236}">
-                <a16:creationId xmlns:a16="http://schemas.microsoft.com/office/drawing/2014/main" id="{BF6A0A9F-8EB5-A94E-985A-14CBD37F3927}"/>
-              </a:ext>
-            </a:extLst>
-          </p:cNvPr>
-          <p:cNvSpPr>
-            <a:spLocks noGrp="1"/>
-          </p:cNvSpPr>
-          <p:nvPr>
-            <p:ph idx="1"/>
-          </p:nvPr>
-        </p:nvSpPr>
-        <p:spPr/>
-        <p:txBody>
-          <a:bodyPr/>
-          <a:lstStyle/>
-          <a:p>
-            <a:r>
-              <a:rPr lang="en-US" b="1" dirty="0" err="1"/>
-              <a:t>Rstudio</a:t>
-            </a:r>
-            <a:endParaRPr lang="en-US" b="1" dirty="0"/>
-          </a:p>
-          <a:p>
-            <a:pPr lvl="1"/>
-            <a:r>
-              <a:rPr lang="en-US" b="1" dirty="0"/>
-              <a:t>“</a:t>
-            </a:r>
-            <a:r>
-              <a:rPr lang="en-US" b="1" i="1" dirty="0"/>
-              <a:t>reticulate</a:t>
-            </a:r>
-            <a:r>
-              <a:rPr lang="en-US" b="1" dirty="0"/>
-              <a:t>” package (pointing to existing Python interpreter)</a:t>
-            </a:r>
-          </a:p>
-          <a:p>
-            <a:pPr lvl="1"/>
-            <a:endParaRPr lang="en-US" b="1" dirty="0"/>
-          </a:p>
-          <a:p>
-            <a:r>
-              <a:rPr lang="en-US" b="1" dirty="0" err="1"/>
-              <a:t>Jupyter</a:t>
-            </a:r>
-            <a:r>
-              <a:rPr lang="en-US" b="1" dirty="0"/>
-              <a:t> Notebooks</a:t>
-            </a:r>
-          </a:p>
-          <a:p>
-            <a:pPr lvl="1"/>
-            <a:r>
-              <a:rPr lang="en-US" b="1" dirty="0"/>
-              <a:t>“</a:t>
-            </a:r>
-            <a:r>
-              <a:rPr lang="en-US" b="1" i="1" dirty="0" err="1"/>
-              <a:t>IRkernel</a:t>
-            </a:r>
-            <a:r>
-              <a:rPr lang="en-US" b="1" dirty="0"/>
-              <a:t>” (R)</a:t>
-            </a:r>
-          </a:p>
-          <a:p>
-            <a:pPr lvl="1"/>
-            <a:r>
-              <a:rPr lang="en-US" b="1" dirty="0"/>
-              <a:t>“</a:t>
-            </a:r>
-            <a:r>
-              <a:rPr lang="en-US" b="1" i="1" dirty="0"/>
-              <a:t>R-essentials</a:t>
-            </a:r>
-            <a:r>
-              <a:rPr lang="en-US" b="1" dirty="0"/>
-              <a:t>” (Python)</a:t>
-            </a:r>
-          </a:p>
-        </p:txBody>
-      </p:sp>
-    </p:spTree>
-    <p:extLst>
-      <p:ext uri="{BB962C8B-B14F-4D97-AF65-F5344CB8AC3E}">
-        <p14:creationId xmlns:p14="http://schemas.microsoft.com/office/powerpoint/2010/main" val="2334454606"/>
       </p:ext>
     </p:extLst>
   </p:cSld>
@@ -7892,7 +9144,7 @@
           <p:cNvPr id="2" name="Title 1">
             <a:extLst>
               <a:ext uri="{FF2B5EF4-FFF2-40B4-BE49-F238E27FC236}">
-                <a16:creationId xmlns:a16="http://schemas.microsoft.com/office/drawing/2014/main" id="{3973C38A-6F82-8440-8C6B-78B7D8DBA192}"/>
+                <a16:creationId xmlns:a16="http://schemas.microsoft.com/office/drawing/2014/main" id="{BECA4C8A-D352-974C-864A-14B4A1EA5737}"/>
               </a:ext>
             </a:extLst>
           </p:cNvPr>
@@ -7910,7 +9162,7 @@
           <a:p>
             <a:r>
               <a:rPr lang="en-US" dirty="0"/>
-              <a:t>Why Earth Engine?</a:t>
+              <a:t>Tools for the job</a:t>
             </a:r>
           </a:p>
         </p:txBody>
@@ -7920,7 +9172,7 @@
           <p:cNvPr id="3" name="Content Placeholder 2">
             <a:extLst>
               <a:ext uri="{FF2B5EF4-FFF2-40B4-BE49-F238E27FC236}">
-                <a16:creationId xmlns:a16="http://schemas.microsoft.com/office/drawing/2014/main" id="{A8C4E997-1818-B444-BF4B-33EEDFCCA62D}"/>
+                <a16:creationId xmlns:a16="http://schemas.microsoft.com/office/drawing/2014/main" id="{BF6A0A9F-8EB5-A94E-985A-14CBD37F3927}"/>
               </a:ext>
             </a:extLst>
           </p:cNvPr>
@@ -7931,94 +9183,74 @@
             <p:ph idx="1"/>
           </p:nvPr>
         </p:nvSpPr>
-        <p:spPr>
-          <a:xfrm>
-            <a:off x="818712" y="2222287"/>
-            <a:ext cx="10554574" cy="4035638"/>
-          </a:xfrm>
-        </p:spPr>
-        <p:txBody>
-          <a:bodyPr>
-            <a:normAutofit lnSpcReduction="10000"/>
-          </a:bodyPr>
-          <a:lstStyle/>
-          <a:p>
-            <a:pPr>
-              <a:lnSpc>
-                <a:spcPct val="200000"/>
-              </a:lnSpc>
-            </a:pPr>
-            <a:r>
-              <a:rPr lang="en-US" dirty="0"/>
-              <a:t>Python, R </a:t>
-            </a:r>
-            <a:r>
-              <a:rPr lang="en-US" dirty="0" err="1"/>
-              <a:t>etc</a:t>
-            </a:r>
-            <a:r>
-              <a:rPr lang="en-US" dirty="0"/>
-              <a:t> all have good spatial packages</a:t>
-            </a:r>
-          </a:p>
-          <a:p>
-            <a:pPr>
-              <a:lnSpc>
-                <a:spcPct val="200000"/>
-              </a:lnSpc>
-            </a:pPr>
-            <a:r>
-              <a:rPr lang="en-US" dirty="0"/>
-              <a:t>For small data projects, use whichever language you are most fluent in</a:t>
-            </a:r>
-          </a:p>
-          <a:p>
-            <a:pPr>
-              <a:lnSpc>
-                <a:spcPct val="200000"/>
-              </a:lnSpc>
-            </a:pPr>
-            <a:r>
-              <a:rPr lang="en-US" dirty="0"/>
-              <a:t>Spatial data can be huge, e.g. multiple years of satellite swaths</a:t>
-            </a:r>
-          </a:p>
-          <a:p>
-            <a:pPr>
-              <a:lnSpc>
-                <a:spcPct val="200000"/>
-              </a:lnSpc>
-            </a:pPr>
-            <a:r>
-              <a:rPr lang="en-US" dirty="0"/>
-              <a:t>Local processing takes a lot of time and effort writing batch analysis scripts</a:t>
-            </a:r>
-          </a:p>
-          <a:p>
-            <a:pPr>
-              <a:lnSpc>
-                <a:spcPct val="200000"/>
-              </a:lnSpc>
-            </a:pPr>
-            <a:r>
-              <a:rPr lang="en-US" dirty="0"/>
-              <a:t>Earth Engine simplifies raster operations and performs them </a:t>
-            </a:r>
+        <p:spPr/>
+        <p:txBody>
+          <a:bodyPr/>
+          <a:lstStyle/>
+          <a:p>
+            <a:r>
+              <a:rPr lang="en-US" b="1" dirty="0" err="1"/>
+              <a:t>Rstudio</a:t>
+            </a:r>
+            <a:endParaRPr lang="en-US" b="1" dirty="0"/>
+          </a:p>
+          <a:p>
+            <a:pPr lvl="1"/>
             <a:r>
               <a:rPr lang="en-US" b="1" dirty="0"/>
-              <a:t>fast</a:t>
-            </a:r>
-            <a:endParaRPr lang="en-US" dirty="0"/>
-          </a:p>
-          <a:p>
-            <a:pPr>
-              <a:lnSpc>
-                <a:spcPct val="200000"/>
-              </a:lnSpc>
-            </a:pPr>
-            <a:r>
-              <a:rPr lang="en-US" dirty="0"/>
-              <a:t>Straightforward to integrate into wider workflow with Python API</a:t>
+              <a:t>“</a:t>
+            </a:r>
+            <a:r>
+              <a:rPr lang="en-US" b="1" i="1" dirty="0"/>
+              <a:t>reticulate</a:t>
+            </a:r>
+            <a:r>
+              <a:rPr lang="en-US" b="1" dirty="0"/>
+              <a:t>” package (pointing to existing Python interpreter)</a:t>
+            </a:r>
+          </a:p>
+          <a:p>
+            <a:pPr lvl="1"/>
+            <a:endParaRPr lang="en-US" b="1" dirty="0"/>
+          </a:p>
+          <a:p>
+            <a:r>
+              <a:rPr lang="en-US" b="1" dirty="0" err="1"/>
+              <a:t>Jupyter</a:t>
+            </a:r>
+            <a:r>
+              <a:rPr lang="en-US" b="1" dirty="0"/>
+              <a:t> Notebooks</a:t>
+            </a:r>
+          </a:p>
+          <a:p>
+            <a:pPr lvl="1"/>
+            <a:r>
+              <a:rPr lang="en-US" b="1" dirty="0"/>
+              <a:t>“</a:t>
+            </a:r>
+            <a:r>
+              <a:rPr lang="en-US" b="1" i="1" dirty="0" err="1"/>
+              <a:t>IRkernel</a:t>
+            </a:r>
+            <a:r>
+              <a:rPr lang="en-US" b="1" dirty="0"/>
+              <a:t>” (R)</a:t>
+            </a:r>
+          </a:p>
+          <a:p>
+            <a:pPr lvl="1"/>
+            <a:r>
+              <a:rPr lang="en-US" b="1" dirty="0"/>
+              <a:t>“</a:t>
+            </a:r>
+            <a:r>
+              <a:rPr lang="en-US" b="1" i="1" dirty="0"/>
+              <a:t>R-essentials</a:t>
+            </a:r>
+            <a:r>
+              <a:rPr lang="en-US" b="1" dirty="0"/>
+              <a:t>” (Python)</a:t>
             </a:r>
           </a:p>
         </p:txBody>
@@ -8026,7 +9258,7 @@
     </p:spTree>
     <p:extLst>
       <p:ext uri="{BB962C8B-B14F-4D97-AF65-F5344CB8AC3E}">
-        <p14:creationId xmlns:p14="http://schemas.microsoft.com/office/powerpoint/2010/main" val="602130537"/>
+        <p14:creationId xmlns:p14="http://schemas.microsoft.com/office/powerpoint/2010/main" val="2334454606"/>
       </p:ext>
     </p:extLst>
   </p:cSld>
@@ -8058,7 +9290,7 @@
           <p:cNvPr id="2" name="Title 1">
             <a:extLst>
               <a:ext uri="{FF2B5EF4-FFF2-40B4-BE49-F238E27FC236}">
-                <a16:creationId xmlns:a16="http://schemas.microsoft.com/office/drawing/2014/main" id="{0D8F6932-E6CE-F140-867D-903EE73B5590}"/>
+                <a16:creationId xmlns:a16="http://schemas.microsoft.com/office/drawing/2014/main" id="{3973C38A-6F82-8440-8C6B-78B7D8DBA192}"/>
               </a:ext>
             </a:extLst>
           </p:cNvPr>
@@ -8076,7 +9308,7 @@
           <a:p>
             <a:r>
               <a:rPr lang="en-US" dirty="0"/>
-              <a:t>Why integrated workflows?</a:t>
+              <a:t>Why Earth Engine?</a:t>
             </a:r>
           </a:p>
         </p:txBody>
@@ -8086,7 +9318,7 @@
           <p:cNvPr id="3" name="Content Placeholder 2">
             <a:extLst>
               <a:ext uri="{FF2B5EF4-FFF2-40B4-BE49-F238E27FC236}">
-                <a16:creationId xmlns:a16="http://schemas.microsoft.com/office/drawing/2014/main" id="{A013495A-C362-7F47-9C14-6EE4570B5704}"/>
+                <a16:creationId xmlns:a16="http://schemas.microsoft.com/office/drawing/2014/main" id="{A8C4E997-1818-B444-BF4B-33EEDFCCA62D}"/>
               </a:ext>
             </a:extLst>
           </p:cNvPr>
@@ -8100,34 +9332,99 @@
         <p:spPr>
           <a:xfrm>
             <a:off x="818712" y="2222287"/>
-            <a:ext cx="10554574" cy="2964076"/>
+            <a:ext cx="10554574" cy="4035638"/>
           </a:xfrm>
         </p:spPr>
         <p:txBody>
           <a:bodyPr>
-            <a:normAutofit/>
+            <a:normAutofit lnSpcReduction="10000"/>
           </a:bodyPr>
           <a:lstStyle/>
           <a:p>
-            <a:pPr marL="0" indent="0">
-              <a:buNone/>
+            <a:pPr>
+              <a:lnSpc>
+                <a:spcPct val="200000"/>
+              </a:lnSpc>
             </a:pPr>
             <a:r>
-              <a:rPr lang="en-US" sz="3200" b="1" dirty="0"/>
-              <a:t>Survey</a:t>
-            </a:r>
-            <a:r>
-              <a:rPr lang="en-US" sz="3200" dirty="0"/>
-              <a:t>: How many people have ended up with projects that look like this?</a:t>
-            </a:r>
-            <a:endParaRPr lang="en-US" sz="3200" b="1" dirty="0"/>
+              <a:rPr lang="en-US" dirty="0"/>
+              <a:t>Python, R </a:t>
+            </a:r>
+            <a:r>
+              <a:rPr lang="en-US" dirty="0" err="1"/>
+              <a:t>etc</a:t>
+            </a:r>
+            <a:r>
+              <a:rPr lang="en-US" dirty="0"/>
+              <a:t> all have good spatial packages</a:t>
+            </a:r>
+          </a:p>
+          <a:p>
+            <a:pPr>
+              <a:lnSpc>
+                <a:spcPct val="200000"/>
+              </a:lnSpc>
+            </a:pPr>
+            <a:r>
+              <a:rPr lang="en-US" dirty="0"/>
+              <a:t>For small data projects, use whichever language you are most fluent in</a:t>
+            </a:r>
+          </a:p>
+          <a:p>
+            <a:pPr>
+              <a:lnSpc>
+                <a:spcPct val="200000"/>
+              </a:lnSpc>
+            </a:pPr>
+            <a:r>
+              <a:rPr lang="en-US" dirty="0"/>
+              <a:t>Spatial data can be huge, e.g. multiple years of satellite swaths</a:t>
+            </a:r>
+          </a:p>
+          <a:p>
+            <a:pPr>
+              <a:lnSpc>
+                <a:spcPct val="200000"/>
+              </a:lnSpc>
+            </a:pPr>
+            <a:r>
+              <a:rPr lang="en-US" dirty="0"/>
+              <a:t>Local processing takes a lot of time and effort writing batch analysis scripts</a:t>
+            </a:r>
+          </a:p>
+          <a:p>
+            <a:pPr>
+              <a:lnSpc>
+                <a:spcPct val="200000"/>
+              </a:lnSpc>
+            </a:pPr>
+            <a:r>
+              <a:rPr lang="en-US" dirty="0"/>
+              <a:t>Earth Engine simplifies raster operations and performs them </a:t>
+            </a:r>
+            <a:r>
+              <a:rPr lang="en-US" b="1" dirty="0"/>
+              <a:t>fast</a:t>
+            </a:r>
+            <a:endParaRPr lang="en-US" dirty="0"/>
+          </a:p>
+          <a:p>
+            <a:pPr>
+              <a:lnSpc>
+                <a:spcPct val="200000"/>
+              </a:lnSpc>
+            </a:pPr>
+            <a:r>
+              <a:rPr lang="en-US" dirty="0"/>
+              <a:t>Straightforward to integrate into wider workflow with Python API</a:t>
+            </a:r>
           </a:p>
         </p:txBody>
       </p:sp>
     </p:spTree>
     <p:extLst>
       <p:ext uri="{BB962C8B-B14F-4D97-AF65-F5344CB8AC3E}">
-        <p14:creationId xmlns:p14="http://schemas.microsoft.com/office/powerpoint/2010/main" val="2530427510"/>
+        <p14:creationId xmlns:p14="http://schemas.microsoft.com/office/powerpoint/2010/main" val="602130537"/>
       </p:ext>
     </p:extLst>
   </p:cSld>
@@ -8138,7 +9435,7 @@
 </file>
 
 <file path=ppt/slides/slide9.xml><?xml version="1.0" encoding="utf-8"?>
-<p:sld xmlns:a="http://schemas.openxmlformats.org/drawingml/2006/main" xmlns:r="http://schemas.openxmlformats.org/officeDocument/2006/relationships" xmlns:p="http://schemas.openxmlformats.org/presentationml/2006/main" showMasterSp="0">
+<p:sld xmlns:a="http://schemas.openxmlformats.org/drawingml/2006/main" xmlns:r="http://schemas.openxmlformats.org/officeDocument/2006/relationships" xmlns:p="http://schemas.openxmlformats.org/presentationml/2006/main">
   <p:cSld>
     <p:spTree>
       <p:nvGrpSpPr>
@@ -8154,97 +9451,81 @@
           <a:chExt cx="0" cy="0"/>
         </a:xfrm>
       </p:grpSpPr>
-      <p:pic>
-        <p:nvPicPr>
-          <p:cNvPr id="4" name="Picture 3">
+      <p:sp>
+        <p:nvSpPr>
+          <p:cNvPr id="2" name="Title 1">
             <a:extLst>
               <a:ext uri="{FF2B5EF4-FFF2-40B4-BE49-F238E27FC236}">
-                <a16:creationId xmlns:a16="http://schemas.microsoft.com/office/drawing/2014/main" id="{E48A3AAD-C1EB-0A48-902B-79ABBFBB4C71}"/>
+                <a16:creationId xmlns:a16="http://schemas.microsoft.com/office/drawing/2014/main" id="{0D8F6932-E6CE-F140-867D-903EE73B5590}"/>
               </a:ext>
             </a:extLst>
           </p:cNvPr>
-          <p:cNvPicPr>
-            <a:picLocks noChangeAspect="1"/>
-          </p:cNvPicPr>
-          <p:nvPr/>
-        </p:nvPicPr>
-        <p:blipFill>
-          <a:blip r:embed="rId3"/>
-          <a:stretch>
-            <a:fillRect/>
-          </a:stretch>
-        </p:blipFill>
-        <p:spPr>
-          <a:xfrm>
-            <a:off x="3306762" y="-1"/>
-            <a:ext cx="4137025" cy="6874305"/>
-          </a:xfrm>
-          <a:prstGeom prst="rect">
-            <a:avLst/>
-          </a:prstGeom>
-        </p:spPr>
-      </p:pic>
-      <p:sp>
-        <p:nvSpPr>
-          <p:cNvPr id="5" name="TextBox 4">
+          <p:cNvSpPr>
+            <a:spLocks noGrp="1"/>
+          </p:cNvSpPr>
+          <p:nvPr>
+            <p:ph type="title"/>
+          </p:nvPr>
+        </p:nvSpPr>
+        <p:spPr/>
+        <p:txBody>
+          <a:bodyPr/>
+          <a:lstStyle/>
+          <a:p>
+            <a:r>
+              <a:rPr lang="en-US" dirty="0"/>
+              <a:t>Why integrated workflows?</a:t>
+            </a:r>
+          </a:p>
+        </p:txBody>
+      </p:sp>
+      <p:sp>
+        <p:nvSpPr>
+          <p:cNvPr id="3" name="Content Placeholder 2">
             <a:extLst>
               <a:ext uri="{FF2B5EF4-FFF2-40B4-BE49-F238E27FC236}">
-                <a16:creationId xmlns:a16="http://schemas.microsoft.com/office/drawing/2014/main" id="{5CA086C9-46F8-8A44-BAA6-94150FBEC8AB}"/>
+                <a16:creationId xmlns:a16="http://schemas.microsoft.com/office/drawing/2014/main" id="{A013495A-C362-7F47-9C14-6EE4570B5704}"/>
               </a:ext>
             </a:extLst>
           </p:cNvPr>
-          <p:cNvSpPr txBox="1"/>
-          <p:nvPr/>
+          <p:cNvSpPr>
+            <a:spLocks noGrp="1"/>
+          </p:cNvSpPr>
+          <p:nvPr>
+            <p:ph idx="1"/>
+          </p:nvPr>
         </p:nvSpPr>
         <p:spPr>
           <a:xfrm>
-            <a:off x="9001125" y="2400300"/>
-            <a:ext cx="2824812" cy="646331"/>
+            <a:off x="818712" y="2222287"/>
+            <a:ext cx="10554574" cy="2964076"/>
           </a:xfrm>
-          <a:prstGeom prst="rect">
-            <a:avLst/>
-          </a:prstGeom>
-          <a:noFill/>
         </p:spPr>
         <p:txBody>
-          <a:bodyPr wrap="none" rtlCol="0">
-            <a:spAutoFit/>
+          <a:bodyPr>
+            <a:normAutofit/>
           </a:bodyPr>
           <a:lstStyle/>
           <a:p>
-            <a:r>
-              <a:rPr lang="en-US" b="1" dirty="0"/>
-              <a:t>Thanks to </a:t>
-            </a:r>
-            <a:r>
-              <a:rPr lang="en-US" b="1" dirty="0" err="1"/>
-              <a:t>xkcd</a:t>
-            </a:r>
-            <a:r>
-              <a:rPr lang="en-US" b="1" dirty="0"/>
-              <a:t>:</a:t>
-            </a:r>
-          </a:p>
-          <a:p>
-            <a:r>
-              <a:rPr lang="en-US" dirty="0"/>
-              <a:t>https://</a:t>
-            </a:r>
-            <a:r>
-              <a:rPr lang="en-US" dirty="0" err="1"/>
-              <a:t>xkcd.com</a:t>
-            </a:r>
-            <a:r>
-              <a:rPr lang="en-US" dirty="0"/>
-              <a:t>/1459/</a:t>
-            </a:r>
+            <a:pPr marL="0" indent="0">
+              <a:buNone/>
+            </a:pPr>
+            <a:r>
+              <a:rPr lang="en-US" sz="3200" b="1" dirty="0"/>
+              <a:t>Survey</a:t>
+            </a:r>
+            <a:r>
+              <a:rPr lang="en-US" sz="3200" dirty="0"/>
+              <a:t>: How many people have ended up with projects that look like this?</a:t>
+            </a:r>
+            <a:endParaRPr lang="en-US" sz="3200" b="1" dirty="0"/>
           </a:p>
         </p:txBody>
       </p:sp>
     </p:spTree>
     <p:extLst>
       <p:ext uri="{BB962C8B-B14F-4D97-AF65-F5344CB8AC3E}">
-        <p14:creationId xmlns:p14="http://schemas.microsoft.com/office/powerpoint/2010/main" val="2187604106"/>
+        <p14:creationId xmlns:p14="http://schemas.microsoft.com/office/powerpoint/2010/main" val="2530427510"/>
       </p:ext>
     </p:extLst>
   </p:cSld>
@@ -8257,12 +9538,12 @@
 <file path=ppt/theme/theme1.xml><?xml version="1.0" encoding="utf-8"?>
 <a:theme xmlns:a="http://schemas.openxmlformats.org/drawingml/2006/main" name="Quotable">
   <a:themeElements>
-    <a:clrScheme name="Red">
+    <a:clrScheme name="Custom 1">
       <a:dk1>
-        <a:sysClr val="windowText" lastClr="000000"/>
+        <a:srgbClr val="000000"/>
       </a:dk1>
       <a:lt1>
-        <a:sysClr val="window" lastClr="FFFFFF"/>
+        <a:srgbClr val="FFFFFF"/>
       </a:lt1>
       <a:dk2>
         <a:srgbClr val="323232"/>
@@ -8289,7 +9570,7 @@
         <a:srgbClr val="B27D49"/>
       </a:accent6>
       <a:hlink>
-        <a:srgbClr val="6B9F25"/>
+        <a:srgbClr val="FFFAFE"/>
       </a:hlink>
       <a:folHlink>
         <a:srgbClr val="B26B02"/>

--- a/presentation.pptx
+++ b/presentation.pptx
@@ -1205,6 +1205,101 @@
           <a:p>
             <a:r>
               <a:rPr lang="en-US" dirty="0"/>
+              <a:t>https://</a:t>
+            </a:r>
+            <a:r>
+              <a:rPr lang="en-US" dirty="0" err="1"/>
+              <a:t>code.earthengine.google.com</a:t>
+            </a:r>
+            <a:r>
+              <a:rPr lang="en-US"/>
+              <a:t>/a1d81bd6bd1445e27f808ee29767e179</a:t>
+            </a:r>
+          </a:p>
+        </p:txBody>
+      </p:sp>
+      <p:sp>
+        <p:nvSpPr>
+          <p:cNvPr id="4" name="Slide Number Placeholder 3"/>
+          <p:cNvSpPr>
+            <a:spLocks noGrp="1"/>
+          </p:cNvSpPr>
+          <p:nvPr>
+            <p:ph type="sldNum" sz="quarter" idx="10"/>
+          </p:nvPr>
+        </p:nvSpPr>
+        <p:spPr/>
+        <p:txBody>
+          <a:bodyPr/>
+          <a:lstStyle/>
+          <a:p>
+            <a:fld id="{2B9DEA3C-E553-B84A-84ED-A7DE9A6CD79E}" type="slidenum">
+              <a:rPr lang="en-US" smtClean="0"/>
+              <a:t>13</a:t>
+            </a:fld>
+            <a:endParaRPr lang="en-US"/>
+          </a:p>
+        </p:txBody>
+      </p:sp>
+    </p:spTree>
+    <p:extLst>
+      <p:ext uri="{BB962C8B-B14F-4D97-AF65-F5344CB8AC3E}">
+        <p14:creationId xmlns:p14="http://schemas.microsoft.com/office/powerpoint/2010/main" val="2526484811"/>
+      </p:ext>
+    </p:extLst>
+  </p:cSld>
+  <p:clrMapOvr>
+    <a:masterClrMapping/>
+  </p:clrMapOvr>
+</p:notes>
+</file>
+
+<file path=ppt/notesSlides/notesSlide8.xml><?xml version="1.0" encoding="utf-8"?>
+<p:notes xmlns:a="http://schemas.openxmlformats.org/drawingml/2006/main" xmlns:r="http://schemas.openxmlformats.org/officeDocument/2006/relationships" xmlns:p="http://schemas.openxmlformats.org/presentationml/2006/main">
+  <p:cSld>
+    <p:spTree>
+      <p:nvGrpSpPr>
+        <p:cNvPr id="1" name=""/>
+        <p:cNvGrpSpPr/>
+        <p:nvPr/>
+      </p:nvGrpSpPr>
+      <p:grpSpPr>
+        <a:xfrm>
+          <a:off x="0" y="0"/>
+          <a:ext cx="0" cy="0"/>
+          <a:chOff x="0" y="0"/>
+          <a:chExt cx="0" cy="0"/>
+        </a:xfrm>
+      </p:grpSpPr>
+      <p:sp>
+        <p:nvSpPr>
+          <p:cNvPr id="2" name="Slide Image Placeholder 1"/>
+          <p:cNvSpPr>
+            <a:spLocks noGrp="1" noRot="1" noChangeAspect="1"/>
+          </p:cNvSpPr>
+          <p:nvPr>
+            <p:ph type="sldImg"/>
+          </p:nvPr>
+        </p:nvSpPr>
+        <p:spPr/>
+      </p:sp>
+      <p:sp>
+        <p:nvSpPr>
+          <p:cNvPr id="3" name="Notes Placeholder 2"/>
+          <p:cNvSpPr>
+            <a:spLocks noGrp="1"/>
+          </p:cNvSpPr>
+          <p:nvPr>
+            <p:ph type="body" idx="1"/>
+          </p:nvPr>
+        </p:nvSpPr>
+        <p:spPr/>
+        <p:txBody>
+          <a:bodyPr/>
+          <a:lstStyle/>
+          <a:p>
+            <a:r>
+              <a:rPr lang="en-US" dirty="0"/>
               <a:t>You could spend a lot of time becoming an Earth Engine expert. </a:t>
             </a:r>
           </a:p>
@@ -1255,7 +1350,7 @@
 </p:notes>
 </file>
 
-<file path=ppt/notesSlides/notesSlide8.xml><?xml version="1.0" encoding="utf-8"?>
+<file path=ppt/notesSlides/notesSlide9.xml><?xml version="1.0" encoding="utf-8"?>
 <p:notes xmlns:a="http://schemas.openxmlformats.org/drawingml/2006/main" xmlns:r="http://schemas.openxmlformats.org/officeDocument/2006/relationships" xmlns:p="http://schemas.openxmlformats.org/presentationml/2006/main">
   <p:cSld>
     <p:spTree>
@@ -7448,16 +7543,24 @@
               <a:buNone/>
             </a:pPr>
             <a:r>
-              <a:rPr lang="en-US" sz="4000" dirty="0" err="1"/>
-              <a:t>code.earthengine.google.com</a:t>
-            </a:r>
-            <a:endParaRPr lang="en-US" sz="4000" dirty="0"/>
-          </a:p>
-          <a:p>
-            <a:pPr marL="0" indent="0">
-              <a:buNone/>
-            </a:pPr>
-            <a:endParaRPr lang="en-US" sz="4000" dirty="0"/>
+              <a:rPr lang="en-US" sz="5400" dirty="0">
+                <a:hlinkClick r:id="rId3"/>
+              </a:rPr>
+              <a:t>https://</a:t>
+            </a:r>
+            <a:r>
+              <a:rPr lang="en-US" sz="5400" dirty="0" err="1">
+                <a:hlinkClick r:id="rId3"/>
+              </a:rPr>
+              <a:t>goo.gl</a:t>
+            </a:r>
+            <a:r>
+              <a:rPr lang="en-US" sz="5400" dirty="0">
+                <a:hlinkClick r:id="rId3"/>
+              </a:rPr>
+              <a:t>/xDdz6u</a:t>
+            </a:r>
+            <a:endParaRPr lang="en-US" sz="5400" dirty="0"/>
           </a:p>
         </p:txBody>
       </p:sp>

--- a/presentation.pptx
+++ b/presentation.pptx
@@ -588,6 +588,90 @@
 </p:notes>
 </file>
 
+<file path=ppt/notesSlides/notesSlide10.xml><?xml version="1.0" encoding="utf-8"?>
+<p:notes xmlns:a="http://schemas.openxmlformats.org/drawingml/2006/main" xmlns:r="http://schemas.openxmlformats.org/officeDocument/2006/relationships" xmlns:p="http://schemas.openxmlformats.org/presentationml/2006/main">
+  <p:cSld>
+    <p:spTree>
+      <p:nvGrpSpPr>
+        <p:cNvPr id="1" name=""/>
+        <p:cNvGrpSpPr/>
+        <p:nvPr/>
+      </p:nvGrpSpPr>
+      <p:grpSpPr>
+        <a:xfrm>
+          <a:off x="0" y="0"/>
+          <a:ext cx="0" cy="0"/>
+          <a:chOff x="0" y="0"/>
+          <a:chExt cx="0" cy="0"/>
+        </a:xfrm>
+      </p:grpSpPr>
+      <p:sp>
+        <p:nvSpPr>
+          <p:cNvPr id="2" name="Slide Image Placeholder 1"/>
+          <p:cNvSpPr>
+            <a:spLocks noGrp="1" noRot="1" noChangeAspect="1"/>
+          </p:cNvSpPr>
+          <p:nvPr>
+            <p:ph type="sldImg"/>
+          </p:nvPr>
+        </p:nvSpPr>
+        <p:spPr/>
+      </p:sp>
+      <p:sp>
+        <p:nvSpPr>
+          <p:cNvPr id="3" name="Notes Placeholder 2"/>
+          <p:cNvSpPr>
+            <a:spLocks noGrp="1"/>
+          </p:cNvSpPr>
+          <p:nvPr>
+            <p:ph type="body" idx="1"/>
+          </p:nvPr>
+        </p:nvSpPr>
+        <p:spPr/>
+        <p:txBody>
+          <a:bodyPr/>
+          <a:lstStyle/>
+          <a:p>
+            <a:endParaRPr lang="en-US" dirty="0"/>
+          </a:p>
+        </p:txBody>
+      </p:sp>
+      <p:sp>
+        <p:nvSpPr>
+          <p:cNvPr id="4" name="Slide Number Placeholder 3"/>
+          <p:cNvSpPr>
+            <a:spLocks noGrp="1"/>
+          </p:cNvSpPr>
+          <p:nvPr>
+            <p:ph type="sldNum" sz="quarter" idx="10"/>
+          </p:nvPr>
+        </p:nvSpPr>
+        <p:spPr/>
+        <p:txBody>
+          <a:bodyPr/>
+          <a:lstStyle/>
+          <a:p>
+            <a:fld id="{2B9DEA3C-E553-B84A-84ED-A7DE9A6CD79E}" type="slidenum">
+              <a:rPr lang="en-US" smtClean="0"/>
+              <a:t>19</a:t>
+            </a:fld>
+            <a:endParaRPr lang="en-US"/>
+          </a:p>
+        </p:txBody>
+      </p:sp>
+    </p:spTree>
+    <p:extLst>
+      <p:ext uri="{BB962C8B-B14F-4D97-AF65-F5344CB8AC3E}">
+        <p14:creationId xmlns:p14="http://schemas.microsoft.com/office/powerpoint/2010/main" val="3032694919"/>
+      </p:ext>
+    </p:extLst>
+  </p:cSld>
+  <p:clrMapOvr>
+    <a:masterClrMapping/>
+  </p:clrMapOvr>
+</p:notes>
+</file>
+
 <file path=ppt/notesSlides/notesSlide2.xml><?xml version="1.0" encoding="utf-8"?>
 <p:notes xmlns:a="http://schemas.openxmlformats.org/drawingml/2006/main" xmlns:r="http://schemas.openxmlformats.org/officeDocument/2006/relationships" xmlns:p="http://schemas.openxmlformats.org/presentationml/2006/main">
   <p:cSld>
@@ -1212,7 +1296,7 @@
               <a:t>code.earthengine.google.com</a:t>
             </a:r>
             <a:r>
-              <a:rPr lang="en-US"/>
+              <a:rPr lang="en-US" dirty="0"/>
               <a:t>/a1d81bd6bd1445e27f808ee29767e179</a:t>
             </a:r>
           </a:p>
@@ -8517,8 +8601,8 @@
         </p:nvSpPr>
         <p:spPr>
           <a:xfrm>
-            <a:off x="1024319" y="6488668"/>
-            <a:ext cx="10844213" cy="369332"/>
+            <a:off x="200025" y="6488668"/>
+            <a:ext cx="11668507" cy="369332"/>
           </a:xfrm>
           <a:prstGeom prst="rect">
             <a:avLst/>
@@ -8557,8 +8641,15 @@
             </a:r>
             <a:r>
               <a:rPr lang="en-US" b="1" dirty="0"/>
-              <a:t>), GIT, Markdown, filename good practice</a:t>
-            </a:r>
+              <a:t>), GIT, Markdown, </a:t>
+            </a:r>
+            <a:r>
+              <a:rPr lang="en-US" b="1" dirty="0">
+                <a:hlinkClick r:id="rId3"/>
+              </a:rPr>
+              <a:t>how to name files</a:t>
+            </a:r>
+            <a:endParaRPr lang="en-US" b="1" dirty="0"/>
           </a:p>
         </p:txBody>
       </p:sp>

--- a/presentation.pptx
+++ b/presentation.pptx
@@ -715,6 +715,16 @@
         <p:txBody>
           <a:bodyPr/>
           <a:lstStyle/>
+          <a:p>
+            <a:r>
+              <a:rPr lang="en-US" dirty="0"/>
+              <a:t>Not a talk about coding </a:t>
+            </a:r>
+            <a:r>
+              <a:rPr lang="en-US"/>
+              <a:t>in industry, but happy to talk later.</a:t>
+            </a:r>
+          </a:p>
           <a:p>
             <a:r>
               <a:rPr lang="en-US" dirty="0"/>
